--- a/aaa.pptx
+++ b/aaa.pptx
@@ -9,7 +9,6 @@
     <p:sldId id="257" r:id="rId3"/>
     <p:sldId id="258" r:id="rId4"/>
     <p:sldId id="259" r:id="rId5"/>
-    <p:sldId id="260" r:id="rId6"/>
   </p:sldIdLst>
   <p:sldSz cx="12192000" cy="6858000"/>
   <p:notesSz cx="6858000" cy="9144000"/>
@@ -108,6 +107,11 @@
       </a:defRPr>
     </a:lvl9pPr>
   </p:defaultTextStyle>
+  <p:extLst>
+    <p:ext uri="{EFAFB233-063F-42B5-8137-9DF3F51BA10A}">
+      <p15:sldGuideLst xmlns:p15="http://schemas.microsoft.com/office/powerpoint/2012/main"/>
+    </p:ext>
+  </p:extLst>
 </p:presentation>
 </file>
 
@@ -153,10 +157,9 @@
           </a:lstStyle>
           <a:p>
             <a:r>
-              <a:rPr lang="zh-TW" altLang="en-US" smtClean="0"/>
+              <a:rPr lang="zh-TW" altLang="en-US"/>
               <a:t>按一下以編輯母片標題樣式</a:t>
             </a:r>
-            <a:endParaRPr lang="zh-TW" altLang="en-US"/>
           </a:p>
         </p:txBody>
       </p:sp>
@@ -218,10 +221,9 @@
           </a:lstStyle>
           <a:p>
             <a:r>
-              <a:rPr lang="zh-TW" altLang="en-US" smtClean="0"/>
+              <a:rPr lang="zh-TW" altLang="en-US"/>
               <a:t>按一下以編輯母片副標題樣式</a:t>
             </a:r>
-            <a:endParaRPr lang="zh-TW" altLang="en-US"/>
           </a:p>
         </p:txBody>
       </p:sp>
@@ -242,7 +244,7 @@
           <a:p>
             <a:fld id="{415D2F26-CE78-4EA8-BCDF-D4FDF06159C7}" type="datetimeFigureOut">
               <a:rPr lang="zh-TW" altLang="en-US" smtClean="0"/>
-              <a:t>2023/2/15</a:t>
+              <a:t>2023/2/16</a:t>
             </a:fld>
             <a:endParaRPr lang="zh-TW" altLang="en-US"/>
           </a:p>
@@ -336,10 +338,9 @@
           <a:lstStyle/>
           <a:p>
             <a:r>
-              <a:rPr lang="zh-TW" altLang="en-US" smtClean="0"/>
+              <a:rPr lang="zh-TW" altLang="en-US"/>
               <a:t>按一下以編輯母片標題樣式</a:t>
             </a:r>
-            <a:endParaRPr lang="zh-TW" altLang="en-US"/>
           </a:p>
         </p:txBody>
       </p:sp>
@@ -360,38 +361,37 @@
           <a:p>
             <a:pPr lvl="0"/>
             <a:r>
-              <a:rPr lang="zh-TW" altLang="en-US" smtClean="0"/>
+              <a:rPr lang="zh-TW" altLang="en-US"/>
               <a:t>編輯母片文字樣式</a:t>
             </a:r>
           </a:p>
           <a:p>
             <a:pPr lvl="1"/>
             <a:r>
-              <a:rPr lang="zh-TW" altLang="en-US" smtClean="0"/>
+              <a:rPr lang="zh-TW" altLang="en-US"/>
               <a:t>第二層</a:t>
             </a:r>
           </a:p>
           <a:p>
             <a:pPr lvl="2"/>
             <a:r>
-              <a:rPr lang="zh-TW" altLang="en-US" smtClean="0"/>
+              <a:rPr lang="zh-TW" altLang="en-US"/>
               <a:t>第三層</a:t>
             </a:r>
           </a:p>
           <a:p>
             <a:pPr lvl="3"/>
             <a:r>
-              <a:rPr lang="zh-TW" altLang="en-US" smtClean="0"/>
+              <a:rPr lang="zh-TW" altLang="en-US"/>
               <a:t>第四層</a:t>
             </a:r>
           </a:p>
           <a:p>
             <a:pPr lvl="4"/>
             <a:r>
-              <a:rPr lang="zh-TW" altLang="en-US" smtClean="0"/>
+              <a:rPr lang="zh-TW" altLang="en-US"/>
               <a:t>第五層</a:t>
             </a:r>
-            <a:endParaRPr lang="zh-TW" altLang="en-US"/>
           </a:p>
         </p:txBody>
       </p:sp>
@@ -412,7 +412,7 @@
           <a:p>
             <a:fld id="{415D2F26-CE78-4EA8-BCDF-D4FDF06159C7}" type="datetimeFigureOut">
               <a:rPr lang="zh-TW" altLang="en-US" smtClean="0"/>
-              <a:t>2023/2/15</a:t>
+              <a:t>2023/2/16</a:t>
             </a:fld>
             <a:endParaRPr lang="zh-TW" altLang="en-US"/>
           </a:p>
@@ -511,10 +511,9 @@
           <a:lstStyle/>
           <a:p>
             <a:r>
-              <a:rPr lang="zh-TW" altLang="en-US" smtClean="0"/>
+              <a:rPr lang="zh-TW" altLang="en-US"/>
               <a:t>按一下以編輯母片標題樣式</a:t>
             </a:r>
-            <a:endParaRPr lang="zh-TW" altLang="en-US"/>
           </a:p>
         </p:txBody>
       </p:sp>
@@ -540,38 +539,37 @@
           <a:p>
             <a:pPr lvl="0"/>
             <a:r>
-              <a:rPr lang="zh-TW" altLang="en-US" smtClean="0"/>
+              <a:rPr lang="zh-TW" altLang="en-US"/>
               <a:t>編輯母片文字樣式</a:t>
             </a:r>
           </a:p>
           <a:p>
             <a:pPr lvl="1"/>
             <a:r>
-              <a:rPr lang="zh-TW" altLang="en-US" smtClean="0"/>
+              <a:rPr lang="zh-TW" altLang="en-US"/>
               <a:t>第二層</a:t>
             </a:r>
           </a:p>
           <a:p>
             <a:pPr lvl="2"/>
             <a:r>
-              <a:rPr lang="zh-TW" altLang="en-US" smtClean="0"/>
+              <a:rPr lang="zh-TW" altLang="en-US"/>
               <a:t>第三層</a:t>
             </a:r>
           </a:p>
           <a:p>
             <a:pPr lvl="3"/>
             <a:r>
-              <a:rPr lang="zh-TW" altLang="en-US" smtClean="0"/>
+              <a:rPr lang="zh-TW" altLang="en-US"/>
               <a:t>第四層</a:t>
             </a:r>
           </a:p>
           <a:p>
             <a:pPr lvl="4"/>
             <a:r>
-              <a:rPr lang="zh-TW" altLang="en-US" smtClean="0"/>
+              <a:rPr lang="zh-TW" altLang="en-US"/>
               <a:t>第五層</a:t>
             </a:r>
-            <a:endParaRPr lang="zh-TW" altLang="en-US"/>
           </a:p>
         </p:txBody>
       </p:sp>
@@ -592,7 +590,7 @@
           <a:p>
             <a:fld id="{415D2F26-CE78-4EA8-BCDF-D4FDF06159C7}" type="datetimeFigureOut">
               <a:rPr lang="zh-TW" altLang="en-US" smtClean="0"/>
-              <a:t>2023/2/15</a:t>
+              <a:t>2023/2/16</a:t>
             </a:fld>
             <a:endParaRPr lang="zh-TW" altLang="en-US"/>
           </a:p>
@@ -686,10 +684,9 @@
           <a:lstStyle/>
           <a:p>
             <a:r>
-              <a:rPr lang="zh-TW" altLang="en-US" smtClean="0"/>
+              <a:rPr lang="zh-TW" altLang="en-US"/>
               <a:t>按一下以編輯母片標題樣式</a:t>
             </a:r>
-            <a:endParaRPr lang="zh-TW" altLang="en-US"/>
           </a:p>
         </p:txBody>
       </p:sp>
@@ -710,38 +707,37 @@
           <a:p>
             <a:pPr lvl="0"/>
             <a:r>
-              <a:rPr lang="zh-TW" altLang="en-US" smtClean="0"/>
+              <a:rPr lang="zh-TW" altLang="en-US"/>
               <a:t>編輯母片文字樣式</a:t>
             </a:r>
           </a:p>
           <a:p>
             <a:pPr lvl="1"/>
             <a:r>
-              <a:rPr lang="zh-TW" altLang="en-US" smtClean="0"/>
+              <a:rPr lang="zh-TW" altLang="en-US"/>
               <a:t>第二層</a:t>
             </a:r>
           </a:p>
           <a:p>
             <a:pPr lvl="2"/>
             <a:r>
-              <a:rPr lang="zh-TW" altLang="en-US" smtClean="0"/>
+              <a:rPr lang="zh-TW" altLang="en-US"/>
               <a:t>第三層</a:t>
             </a:r>
           </a:p>
           <a:p>
             <a:pPr lvl="3"/>
             <a:r>
-              <a:rPr lang="zh-TW" altLang="en-US" smtClean="0"/>
+              <a:rPr lang="zh-TW" altLang="en-US"/>
               <a:t>第四層</a:t>
             </a:r>
           </a:p>
           <a:p>
             <a:pPr lvl="4"/>
             <a:r>
-              <a:rPr lang="zh-TW" altLang="en-US" smtClean="0"/>
+              <a:rPr lang="zh-TW" altLang="en-US"/>
               <a:t>第五層</a:t>
             </a:r>
-            <a:endParaRPr lang="zh-TW" altLang="en-US"/>
           </a:p>
         </p:txBody>
       </p:sp>
@@ -762,7 +758,7 @@
           <a:p>
             <a:fld id="{415D2F26-CE78-4EA8-BCDF-D4FDF06159C7}" type="datetimeFigureOut">
               <a:rPr lang="zh-TW" altLang="en-US" smtClean="0"/>
-              <a:t>2023/2/15</a:t>
+              <a:t>2023/2/16</a:t>
             </a:fld>
             <a:endParaRPr lang="zh-TW" altLang="en-US"/>
           </a:p>
@@ -865,10 +861,9 @@
           </a:lstStyle>
           <a:p>
             <a:r>
-              <a:rPr lang="zh-TW" altLang="en-US" smtClean="0"/>
+              <a:rPr lang="zh-TW" altLang="en-US"/>
               <a:t>按一下以編輯母片標題樣式</a:t>
             </a:r>
-            <a:endParaRPr lang="zh-TW" altLang="en-US"/>
           </a:p>
         </p:txBody>
       </p:sp>
@@ -985,7 +980,7 @@
           <a:p>
             <a:pPr lvl="0"/>
             <a:r>
-              <a:rPr lang="zh-TW" altLang="en-US" smtClean="0"/>
+              <a:rPr lang="zh-TW" altLang="en-US"/>
               <a:t>編輯母片文字樣式</a:t>
             </a:r>
           </a:p>
@@ -1008,7 +1003,7 @@
           <a:p>
             <a:fld id="{415D2F26-CE78-4EA8-BCDF-D4FDF06159C7}" type="datetimeFigureOut">
               <a:rPr lang="zh-TW" altLang="en-US" smtClean="0"/>
-              <a:t>2023/2/15</a:t>
+              <a:t>2023/2/16</a:t>
             </a:fld>
             <a:endParaRPr lang="zh-TW" altLang="en-US"/>
           </a:p>
@@ -1102,10 +1097,9 @@
           <a:lstStyle/>
           <a:p>
             <a:r>
-              <a:rPr lang="zh-TW" altLang="en-US" smtClean="0"/>
+              <a:rPr lang="zh-TW" altLang="en-US"/>
               <a:t>按一下以編輯母片標題樣式</a:t>
             </a:r>
-            <a:endParaRPr lang="zh-TW" altLang="en-US"/>
           </a:p>
         </p:txBody>
       </p:sp>
@@ -1131,38 +1125,37 @@
           <a:p>
             <a:pPr lvl="0"/>
             <a:r>
-              <a:rPr lang="zh-TW" altLang="en-US" smtClean="0"/>
+              <a:rPr lang="zh-TW" altLang="en-US"/>
               <a:t>編輯母片文字樣式</a:t>
             </a:r>
           </a:p>
           <a:p>
             <a:pPr lvl="1"/>
             <a:r>
-              <a:rPr lang="zh-TW" altLang="en-US" smtClean="0"/>
+              <a:rPr lang="zh-TW" altLang="en-US"/>
               <a:t>第二層</a:t>
             </a:r>
           </a:p>
           <a:p>
             <a:pPr lvl="2"/>
             <a:r>
-              <a:rPr lang="zh-TW" altLang="en-US" smtClean="0"/>
+              <a:rPr lang="zh-TW" altLang="en-US"/>
               <a:t>第三層</a:t>
             </a:r>
           </a:p>
           <a:p>
             <a:pPr lvl="3"/>
             <a:r>
-              <a:rPr lang="zh-TW" altLang="en-US" smtClean="0"/>
+              <a:rPr lang="zh-TW" altLang="en-US"/>
               <a:t>第四層</a:t>
             </a:r>
           </a:p>
           <a:p>
             <a:pPr lvl="4"/>
             <a:r>
-              <a:rPr lang="zh-TW" altLang="en-US" smtClean="0"/>
+              <a:rPr lang="zh-TW" altLang="en-US"/>
               <a:t>第五層</a:t>
             </a:r>
-            <a:endParaRPr lang="zh-TW" altLang="en-US"/>
           </a:p>
         </p:txBody>
       </p:sp>
@@ -1188,38 +1181,37 @@
           <a:p>
             <a:pPr lvl="0"/>
             <a:r>
-              <a:rPr lang="zh-TW" altLang="en-US" smtClean="0"/>
+              <a:rPr lang="zh-TW" altLang="en-US"/>
               <a:t>編輯母片文字樣式</a:t>
             </a:r>
           </a:p>
           <a:p>
             <a:pPr lvl="1"/>
             <a:r>
-              <a:rPr lang="zh-TW" altLang="en-US" smtClean="0"/>
+              <a:rPr lang="zh-TW" altLang="en-US"/>
               <a:t>第二層</a:t>
             </a:r>
           </a:p>
           <a:p>
             <a:pPr lvl="2"/>
             <a:r>
-              <a:rPr lang="zh-TW" altLang="en-US" smtClean="0"/>
+              <a:rPr lang="zh-TW" altLang="en-US"/>
               <a:t>第三層</a:t>
             </a:r>
           </a:p>
           <a:p>
             <a:pPr lvl="3"/>
             <a:r>
-              <a:rPr lang="zh-TW" altLang="en-US" smtClean="0"/>
+              <a:rPr lang="zh-TW" altLang="en-US"/>
               <a:t>第四層</a:t>
             </a:r>
           </a:p>
           <a:p>
             <a:pPr lvl="4"/>
             <a:r>
-              <a:rPr lang="zh-TW" altLang="en-US" smtClean="0"/>
+              <a:rPr lang="zh-TW" altLang="en-US"/>
               <a:t>第五層</a:t>
             </a:r>
-            <a:endParaRPr lang="zh-TW" altLang="en-US"/>
           </a:p>
         </p:txBody>
       </p:sp>
@@ -1240,7 +1232,7 @@
           <a:p>
             <a:fld id="{415D2F26-CE78-4EA8-BCDF-D4FDF06159C7}" type="datetimeFigureOut">
               <a:rPr lang="zh-TW" altLang="en-US" smtClean="0"/>
-              <a:t>2023/2/15</a:t>
+              <a:t>2023/2/16</a:t>
             </a:fld>
             <a:endParaRPr lang="zh-TW" altLang="en-US"/>
           </a:p>
@@ -1339,10 +1331,9 @@
           <a:lstStyle/>
           <a:p>
             <a:r>
-              <a:rPr lang="zh-TW" altLang="en-US" smtClean="0"/>
+              <a:rPr lang="zh-TW" altLang="en-US"/>
               <a:t>按一下以編輯母片標題樣式</a:t>
             </a:r>
-            <a:endParaRPr lang="zh-TW" altLang="en-US"/>
           </a:p>
         </p:txBody>
       </p:sp>
@@ -1405,7 +1396,7 @@
           <a:p>
             <a:pPr lvl="0"/>
             <a:r>
-              <a:rPr lang="zh-TW" altLang="en-US" smtClean="0"/>
+              <a:rPr lang="zh-TW" altLang="en-US"/>
               <a:t>編輯母片文字樣式</a:t>
             </a:r>
           </a:p>
@@ -1433,38 +1424,37 @@
           <a:p>
             <a:pPr lvl="0"/>
             <a:r>
-              <a:rPr lang="zh-TW" altLang="en-US" smtClean="0"/>
+              <a:rPr lang="zh-TW" altLang="en-US"/>
               <a:t>編輯母片文字樣式</a:t>
             </a:r>
           </a:p>
           <a:p>
             <a:pPr lvl="1"/>
             <a:r>
-              <a:rPr lang="zh-TW" altLang="en-US" smtClean="0"/>
+              <a:rPr lang="zh-TW" altLang="en-US"/>
               <a:t>第二層</a:t>
             </a:r>
           </a:p>
           <a:p>
             <a:pPr lvl="2"/>
             <a:r>
-              <a:rPr lang="zh-TW" altLang="en-US" smtClean="0"/>
+              <a:rPr lang="zh-TW" altLang="en-US"/>
               <a:t>第三層</a:t>
             </a:r>
           </a:p>
           <a:p>
             <a:pPr lvl="3"/>
             <a:r>
-              <a:rPr lang="zh-TW" altLang="en-US" smtClean="0"/>
+              <a:rPr lang="zh-TW" altLang="en-US"/>
               <a:t>第四層</a:t>
             </a:r>
           </a:p>
           <a:p>
             <a:pPr lvl="4"/>
             <a:r>
-              <a:rPr lang="zh-TW" altLang="en-US" smtClean="0"/>
+              <a:rPr lang="zh-TW" altLang="en-US"/>
               <a:t>第五層</a:t>
             </a:r>
-            <a:endParaRPr lang="zh-TW" altLang="en-US"/>
           </a:p>
         </p:txBody>
       </p:sp>
@@ -1527,7 +1517,7 @@
           <a:p>
             <a:pPr lvl="0"/>
             <a:r>
-              <a:rPr lang="zh-TW" altLang="en-US" smtClean="0"/>
+              <a:rPr lang="zh-TW" altLang="en-US"/>
               <a:t>編輯母片文字樣式</a:t>
             </a:r>
           </a:p>
@@ -1555,38 +1545,37 @@
           <a:p>
             <a:pPr lvl="0"/>
             <a:r>
-              <a:rPr lang="zh-TW" altLang="en-US" smtClean="0"/>
+              <a:rPr lang="zh-TW" altLang="en-US"/>
               <a:t>編輯母片文字樣式</a:t>
             </a:r>
           </a:p>
           <a:p>
             <a:pPr lvl="1"/>
             <a:r>
-              <a:rPr lang="zh-TW" altLang="en-US" smtClean="0"/>
+              <a:rPr lang="zh-TW" altLang="en-US"/>
               <a:t>第二層</a:t>
             </a:r>
           </a:p>
           <a:p>
             <a:pPr lvl="2"/>
             <a:r>
-              <a:rPr lang="zh-TW" altLang="en-US" smtClean="0"/>
+              <a:rPr lang="zh-TW" altLang="en-US"/>
               <a:t>第三層</a:t>
             </a:r>
           </a:p>
           <a:p>
             <a:pPr lvl="3"/>
             <a:r>
-              <a:rPr lang="zh-TW" altLang="en-US" smtClean="0"/>
+              <a:rPr lang="zh-TW" altLang="en-US"/>
               <a:t>第四層</a:t>
             </a:r>
           </a:p>
           <a:p>
             <a:pPr lvl="4"/>
             <a:r>
-              <a:rPr lang="zh-TW" altLang="en-US" smtClean="0"/>
+              <a:rPr lang="zh-TW" altLang="en-US"/>
               <a:t>第五層</a:t>
             </a:r>
-            <a:endParaRPr lang="zh-TW" altLang="en-US"/>
           </a:p>
         </p:txBody>
       </p:sp>
@@ -1607,7 +1596,7 @@
           <a:p>
             <a:fld id="{415D2F26-CE78-4EA8-BCDF-D4FDF06159C7}" type="datetimeFigureOut">
               <a:rPr lang="zh-TW" altLang="en-US" smtClean="0"/>
-              <a:t>2023/2/15</a:t>
+              <a:t>2023/2/16</a:t>
             </a:fld>
             <a:endParaRPr lang="zh-TW" altLang="en-US"/>
           </a:p>
@@ -1701,10 +1690,9 @@
           <a:lstStyle/>
           <a:p>
             <a:r>
-              <a:rPr lang="zh-TW" altLang="en-US" smtClean="0"/>
+              <a:rPr lang="zh-TW" altLang="en-US"/>
               <a:t>按一下以編輯母片標題樣式</a:t>
             </a:r>
-            <a:endParaRPr lang="zh-TW" altLang="en-US"/>
           </a:p>
         </p:txBody>
       </p:sp>
@@ -1725,7 +1713,7 @@
           <a:p>
             <a:fld id="{415D2F26-CE78-4EA8-BCDF-D4FDF06159C7}" type="datetimeFigureOut">
               <a:rPr lang="zh-TW" altLang="en-US" smtClean="0"/>
-              <a:t>2023/2/15</a:t>
+              <a:t>2023/2/16</a:t>
             </a:fld>
             <a:endParaRPr lang="zh-TW" altLang="en-US"/>
           </a:p>
@@ -1820,7 +1808,7 @@
           <a:p>
             <a:fld id="{415D2F26-CE78-4EA8-BCDF-D4FDF06159C7}" type="datetimeFigureOut">
               <a:rPr lang="zh-TW" altLang="en-US" smtClean="0"/>
-              <a:t>2023/2/15</a:t>
+              <a:t>2023/2/16</a:t>
             </a:fld>
             <a:endParaRPr lang="zh-TW" altLang="en-US"/>
           </a:p>
@@ -1923,10 +1911,9 @@
           </a:lstStyle>
           <a:p>
             <a:r>
-              <a:rPr lang="zh-TW" altLang="en-US" smtClean="0"/>
+              <a:rPr lang="zh-TW" altLang="en-US"/>
               <a:t>按一下以編輯母片標題樣式</a:t>
             </a:r>
-            <a:endParaRPr lang="zh-TW" altLang="en-US"/>
           </a:p>
         </p:txBody>
       </p:sp>
@@ -1980,38 +1967,37 @@
           <a:p>
             <a:pPr lvl="0"/>
             <a:r>
-              <a:rPr lang="zh-TW" altLang="en-US" smtClean="0"/>
+              <a:rPr lang="zh-TW" altLang="en-US"/>
               <a:t>編輯母片文字樣式</a:t>
             </a:r>
           </a:p>
           <a:p>
             <a:pPr lvl="1"/>
             <a:r>
-              <a:rPr lang="zh-TW" altLang="en-US" smtClean="0"/>
+              <a:rPr lang="zh-TW" altLang="en-US"/>
               <a:t>第二層</a:t>
             </a:r>
           </a:p>
           <a:p>
             <a:pPr lvl="2"/>
             <a:r>
-              <a:rPr lang="zh-TW" altLang="en-US" smtClean="0"/>
+              <a:rPr lang="zh-TW" altLang="en-US"/>
               <a:t>第三層</a:t>
             </a:r>
           </a:p>
           <a:p>
             <a:pPr lvl="3"/>
             <a:r>
-              <a:rPr lang="zh-TW" altLang="en-US" smtClean="0"/>
+              <a:rPr lang="zh-TW" altLang="en-US"/>
               <a:t>第四層</a:t>
             </a:r>
           </a:p>
           <a:p>
             <a:pPr lvl="4"/>
             <a:r>
-              <a:rPr lang="zh-TW" altLang="en-US" smtClean="0"/>
+              <a:rPr lang="zh-TW" altLang="en-US"/>
               <a:t>第五層</a:t>
             </a:r>
-            <a:endParaRPr lang="zh-TW" altLang="en-US"/>
           </a:p>
         </p:txBody>
       </p:sp>
@@ -2074,7 +2060,7 @@
           <a:p>
             <a:pPr lvl="0"/>
             <a:r>
-              <a:rPr lang="zh-TW" altLang="en-US" smtClean="0"/>
+              <a:rPr lang="zh-TW" altLang="en-US"/>
               <a:t>編輯母片文字樣式</a:t>
             </a:r>
           </a:p>
@@ -2097,7 +2083,7 @@
           <a:p>
             <a:fld id="{415D2F26-CE78-4EA8-BCDF-D4FDF06159C7}" type="datetimeFigureOut">
               <a:rPr lang="zh-TW" altLang="en-US" smtClean="0"/>
-              <a:t>2023/2/15</a:t>
+              <a:t>2023/2/16</a:t>
             </a:fld>
             <a:endParaRPr lang="zh-TW" altLang="en-US"/>
           </a:p>
@@ -2200,10 +2186,9 @@
           </a:lstStyle>
           <a:p>
             <a:r>
-              <a:rPr lang="zh-TW" altLang="en-US" smtClean="0"/>
+              <a:rPr lang="zh-TW" altLang="en-US"/>
               <a:t>按一下以編輯母片標題樣式</a:t>
             </a:r>
-            <a:endParaRPr lang="zh-TW" altLang="en-US"/>
           </a:p>
         </p:txBody>
       </p:sp>
@@ -2327,7 +2312,7 @@
           <a:p>
             <a:pPr lvl="0"/>
             <a:r>
-              <a:rPr lang="zh-TW" altLang="en-US" smtClean="0"/>
+              <a:rPr lang="zh-TW" altLang="en-US"/>
               <a:t>編輯母片文字樣式</a:t>
             </a:r>
           </a:p>
@@ -2350,7 +2335,7 @@
           <a:p>
             <a:fld id="{415D2F26-CE78-4EA8-BCDF-D4FDF06159C7}" type="datetimeFigureOut">
               <a:rPr lang="zh-TW" altLang="en-US" smtClean="0"/>
-              <a:t>2023/2/15</a:t>
+              <a:t>2023/2/16</a:t>
             </a:fld>
             <a:endParaRPr lang="zh-TW" altLang="en-US"/>
           </a:p>
@@ -2459,10 +2444,9 @@
           <a:lstStyle/>
           <a:p>
             <a:r>
-              <a:rPr lang="zh-TW" altLang="en-US" smtClean="0"/>
+              <a:rPr lang="zh-TW" altLang="en-US"/>
               <a:t>按一下以編輯母片標題樣式</a:t>
             </a:r>
-            <a:endParaRPr lang="zh-TW" altLang="en-US"/>
           </a:p>
         </p:txBody>
       </p:sp>
@@ -2493,38 +2477,37 @@
           <a:p>
             <a:pPr lvl="0"/>
             <a:r>
-              <a:rPr lang="zh-TW" altLang="en-US" smtClean="0"/>
+              <a:rPr lang="zh-TW" altLang="en-US"/>
               <a:t>編輯母片文字樣式</a:t>
             </a:r>
           </a:p>
           <a:p>
             <a:pPr lvl="1"/>
             <a:r>
-              <a:rPr lang="zh-TW" altLang="en-US" smtClean="0"/>
+              <a:rPr lang="zh-TW" altLang="en-US"/>
               <a:t>第二層</a:t>
             </a:r>
           </a:p>
           <a:p>
             <a:pPr lvl="2"/>
             <a:r>
-              <a:rPr lang="zh-TW" altLang="en-US" smtClean="0"/>
+              <a:rPr lang="zh-TW" altLang="en-US"/>
               <a:t>第三層</a:t>
             </a:r>
           </a:p>
           <a:p>
             <a:pPr lvl="3"/>
             <a:r>
-              <a:rPr lang="zh-TW" altLang="en-US" smtClean="0"/>
+              <a:rPr lang="zh-TW" altLang="en-US"/>
               <a:t>第四層</a:t>
             </a:r>
           </a:p>
           <a:p>
             <a:pPr lvl="4"/>
             <a:r>
-              <a:rPr lang="zh-TW" altLang="en-US" smtClean="0"/>
+              <a:rPr lang="zh-TW" altLang="en-US"/>
               <a:t>第五層</a:t>
             </a:r>
-            <a:endParaRPr lang="zh-TW" altLang="en-US"/>
           </a:p>
         </p:txBody>
       </p:sp>
@@ -2563,7 +2546,7 @@
           <a:p>
             <a:fld id="{415D2F26-CE78-4EA8-BCDF-D4FDF06159C7}" type="datetimeFigureOut">
               <a:rPr lang="zh-TW" altLang="en-US" smtClean="0"/>
-              <a:t>2023/2/15</a:t>
+              <a:t>2023/2/16</a:t>
             </a:fld>
             <a:endParaRPr lang="zh-TW" altLang="en-US"/>
           </a:p>
@@ -2976,8 +2959,8 @@
         </p:nvSpPr>
         <p:spPr>
           <a:xfrm>
-            <a:off x="3050931" y="1362808"/>
-            <a:ext cx="1800493" cy="369332"/>
+            <a:off x="710171" y="1073875"/>
+            <a:ext cx="5385830" cy="2585323"/>
           </a:xfrm>
           <a:prstGeom prst="rect">
             <a:avLst/>
@@ -2985,19 +2968,331 @@
           <a:noFill/>
         </p:spPr>
         <p:txBody>
+          <a:bodyPr wrap="square" rtlCol="0">
+            <a:spAutoFit/>
+          </a:bodyPr>
+          <a:lstStyle/>
+          <a:p>
+            <a:pPr marL="342900" indent="-342900">
+              <a:buFont typeface="+mj-lt"/>
+              <a:buAutoNum type="arabicPeriod"/>
+            </a:pPr>
+            <a:r>
+              <a:rPr lang="en-US" altLang="zh-TW" dirty="0">
+                <a:latin typeface="Times New Roman" panose="02020603050405020304" pitchFamily="18" charset="0"/>
+                <a:cs typeface="Times New Roman" panose="02020603050405020304" pitchFamily="18" charset="0"/>
+              </a:rPr>
+              <a:t>Solve distortion problem for the large off-axis illumination.</a:t>
+            </a:r>
+          </a:p>
+          <a:p>
+            <a:pPr marL="342900" indent="-342900">
+              <a:buFont typeface="+mj-lt"/>
+              <a:buAutoNum type="arabicPeriod"/>
+            </a:pPr>
+            <a:endParaRPr lang="en-US" altLang="zh-TW" dirty="0">
+              <a:latin typeface="Times New Roman" panose="02020603050405020304" pitchFamily="18" charset="0"/>
+              <a:cs typeface="Times New Roman" panose="02020603050405020304" pitchFamily="18" charset="0"/>
+            </a:endParaRPr>
+          </a:p>
+          <a:p>
+            <a:pPr marL="342900" indent="-342900">
+              <a:buFont typeface="+mj-lt"/>
+              <a:buAutoNum type="arabicPeriod"/>
+            </a:pPr>
+            <a:r>
+              <a:rPr lang="en-US" altLang="zh-TW" dirty="0">
+                <a:latin typeface="Times New Roman" panose="02020603050405020304" pitchFamily="18" charset="0"/>
+                <a:cs typeface="Times New Roman" panose="02020603050405020304" pitchFamily="18" charset="0"/>
+              </a:rPr>
+              <a:t>The algorithm must be SOCS compatible.</a:t>
+            </a:r>
+          </a:p>
+          <a:p>
+            <a:pPr marL="342900" indent="-342900">
+              <a:buFont typeface="+mj-lt"/>
+              <a:buAutoNum type="arabicPeriod"/>
+            </a:pPr>
+            <a:endParaRPr lang="en-US" altLang="zh-TW" dirty="0">
+              <a:latin typeface="Times New Roman" panose="02020603050405020304" pitchFamily="18" charset="0"/>
+              <a:cs typeface="Times New Roman" panose="02020603050405020304" pitchFamily="18" charset="0"/>
+            </a:endParaRPr>
+          </a:p>
+          <a:p>
+            <a:pPr marL="342900" indent="-342900">
+              <a:buFont typeface="+mj-lt"/>
+              <a:buAutoNum type="arabicPeriod"/>
+            </a:pPr>
+            <a:r>
+              <a:rPr lang="en-US" altLang="zh-TW" dirty="0">
+                <a:latin typeface="Times New Roman" panose="02020603050405020304" pitchFamily="18" charset="0"/>
+                <a:cs typeface="Times New Roman" panose="02020603050405020304" pitchFamily="18" charset="0"/>
+              </a:rPr>
+              <a:t>The algorithm should be polarization-dependent(vector form).</a:t>
+            </a:r>
+          </a:p>
+          <a:p>
+            <a:pPr marL="342900" indent="-342900">
+              <a:buFont typeface="+mj-lt"/>
+              <a:buAutoNum type="arabicPeriod"/>
+            </a:pPr>
+            <a:endParaRPr lang="en-US" altLang="zh-TW" dirty="0">
+              <a:latin typeface="Times New Roman" panose="02020603050405020304" pitchFamily="18" charset="0"/>
+              <a:cs typeface="Times New Roman" panose="02020603050405020304" pitchFamily="18" charset="0"/>
+            </a:endParaRPr>
+          </a:p>
+          <a:p>
+            <a:pPr marL="342900" indent="-342900">
+              <a:buFont typeface="+mj-lt"/>
+              <a:buAutoNum type="arabicPeriod"/>
+            </a:pPr>
+            <a:endParaRPr lang="zh-TW" altLang="en-US" dirty="0">
+              <a:latin typeface="Times New Roman" panose="02020603050405020304" pitchFamily="18" charset="0"/>
+              <a:cs typeface="Times New Roman" panose="02020603050405020304" pitchFamily="18" charset="0"/>
+            </a:endParaRPr>
+          </a:p>
+        </p:txBody>
+      </p:sp>
+      <p:sp>
+        <p:nvSpPr>
+          <p:cNvPr id="3" name="文字方塊 2">
+            <a:extLst>
+              <a:ext uri="{FF2B5EF4-FFF2-40B4-BE49-F238E27FC236}">
+                <a16:creationId xmlns:a16="http://schemas.microsoft.com/office/drawing/2014/main" id="{E458F5E2-D1F2-4AAB-A09C-876F243A7F62}"/>
+              </a:ext>
+            </a:extLst>
+          </p:cNvPr>
+          <p:cNvSpPr txBox="1"/>
+          <p:nvPr/>
+        </p:nvSpPr>
+        <p:spPr>
+          <a:xfrm>
+            <a:off x="352422" y="211205"/>
+            <a:ext cx="2864887" cy="523220"/>
+          </a:xfrm>
+          <a:prstGeom prst="rect">
+            <a:avLst/>
+          </a:prstGeom>
+          <a:noFill/>
+        </p:spPr>
+        <p:txBody>
           <a:bodyPr wrap="none" rtlCol="0">
             <a:spAutoFit/>
           </a:bodyPr>
           <a:lstStyle/>
           <a:p>
             <a:r>
-              <a:rPr lang="zh-TW" altLang="en-US" dirty="0" smtClean="0"/>
-              <a:t>解決大角度誤差</a:t>
-            </a:r>
-            <a:endParaRPr lang="zh-TW" altLang="en-US" dirty="0"/>
-          </a:p>
-        </p:txBody>
-      </p:sp>
+              <a:rPr lang="en-US" altLang="zh-TW" sz="2800" dirty="0">
+                <a:latin typeface="Times New Roman" panose="02020603050405020304" pitchFamily="18" charset="0"/>
+                <a:cs typeface="Times New Roman" panose="02020603050405020304" pitchFamily="18" charset="0"/>
+              </a:rPr>
+              <a:t>Purpose Statement</a:t>
+            </a:r>
+            <a:endParaRPr lang="zh-TW" altLang="en-US" sz="2800" dirty="0">
+              <a:latin typeface="Times New Roman" panose="02020603050405020304" pitchFamily="18" charset="0"/>
+              <a:cs typeface="Times New Roman" panose="02020603050405020304" pitchFamily="18" charset="0"/>
+            </a:endParaRPr>
+          </a:p>
+        </p:txBody>
+      </p:sp>
+      <p:sp>
+        <p:nvSpPr>
+          <p:cNvPr id="8" name="文字方塊 7">
+            <a:extLst>
+              <a:ext uri="{FF2B5EF4-FFF2-40B4-BE49-F238E27FC236}">
+                <a16:creationId xmlns:a16="http://schemas.microsoft.com/office/drawing/2014/main" id="{8E66D0D2-D10A-4C4D-AAEE-FDC805721E67}"/>
+              </a:ext>
+            </a:extLst>
+          </p:cNvPr>
+          <p:cNvSpPr txBox="1"/>
+          <p:nvPr/>
+        </p:nvSpPr>
+        <p:spPr>
+          <a:xfrm>
+            <a:off x="225421" y="3902846"/>
+            <a:ext cx="2608406" cy="523220"/>
+          </a:xfrm>
+          <a:prstGeom prst="rect">
+            <a:avLst/>
+          </a:prstGeom>
+          <a:noFill/>
+        </p:spPr>
+        <p:txBody>
+          <a:bodyPr wrap="none" rtlCol="0">
+            <a:spAutoFit/>
+          </a:bodyPr>
+          <a:lstStyle/>
+          <a:p>
+            <a:r>
+              <a:rPr lang="en-US" altLang="zh-TW" sz="2800" dirty="0">
+                <a:latin typeface="Times New Roman" panose="02020603050405020304" pitchFamily="18" charset="0"/>
+                <a:cs typeface="Times New Roman" panose="02020603050405020304" pitchFamily="18" charset="0"/>
+              </a:rPr>
+              <a:t>Current Progress</a:t>
+            </a:r>
+            <a:endParaRPr lang="zh-TW" altLang="en-US" sz="2800" dirty="0">
+              <a:latin typeface="Times New Roman" panose="02020603050405020304" pitchFamily="18" charset="0"/>
+              <a:cs typeface="Times New Roman" panose="02020603050405020304" pitchFamily="18" charset="0"/>
+            </a:endParaRPr>
+          </a:p>
+        </p:txBody>
+      </p:sp>
+      <p:sp>
+        <p:nvSpPr>
+          <p:cNvPr id="11" name="文字方塊 10">
+            <a:extLst>
+              <a:ext uri="{FF2B5EF4-FFF2-40B4-BE49-F238E27FC236}">
+                <a16:creationId xmlns:a16="http://schemas.microsoft.com/office/drawing/2014/main" id="{A8B5274F-59C3-435E-BB7D-3B6EF8E7BE51}"/>
+              </a:ext>
+            </a:extLst>
+          </p:cNvPr>
+          <p:cNvSpPr txBox="1"/>
+          <p:nvPr/>
+        </p:nvSpPr>
+        <p:spPr>
+          <a:xfrm>
+            <a:off x="710170" y="4578030"/>
+            <a:ext cx="3518912" cy="369332"/>
+          </a:xfrm>
+          <a:prstGeom prst="rect">
+            <a:avLst/>
+          </a:prstGeom>
+          <a:noFill/>
+        </p:spPr>
+        <p:txBody>
+          <a:bodyPr wrap="none" rtlCol="0">
+            <a:spAutoFit/>
+          </a:bodyPr>
+          <a:lstStyle/>
+          <a:p>
+            <a:r>
+              <a:rPr lang="en-US" altLang="zh-TW" dirty="0">
+                <a:latin typeface="Times New Roman" panose="02020603050405020304" pitchFamily="18" charset="0"/>
+                <a:cs typeface="Times New Roman" panose="02020603050405020304" pitchFamily="18" charset="0"/>
+              </a:rPr>
+              <a:t>4-f and 6-f system coding complete.</a:t>
+            </a:r>
+            <a:endParaRPr lang="zh-TW" altLang="en-US" dirty="0">
+              <a:latin typeface="Times New Roman" panose="02020603050405020304" pitchFamily="18" charset="0"/>
+              <a:cs typeface="Times New Roman" panose="02020603050405020304" pitchFamily="18" charset="0"/>
+            </a:endParaRPr>
+          </a:p>
+        </p:txBody>
+      </p:sp>
+      <p:sp>
+        <p:nvSpPr>
+          <p:cNvPr id="12" name="文字方塊 11">
+            <a:extLst>
+              <a:ext uri="{FF2B5EF4-FFF2-40B4-BE49-F238E27FC236}">
+                <a16:creationId xmlns:a16="http://schemas.microsoft.com/office/drawing/2014/main" id="{22F3A3E4-6359-4BFF-AEAF-D677DC9EEA94}"/>
+              </a:ext>
+            </a:extLst>
+          </p:cNvPr>
+          <p:cNvSpPr txBox="1"/>
+          <p:nvPr/>
+        </p:nvSpPr>
+        <p:spPr>
+          <a:xfrm>
+            <a:off x="710170" y="5129779"/>
+            <a:ext cx="4628190" cy="369332"/>
+          </a:xfrm>
+          <a:prstGeom prst="rect">
+            <a:avLst/>
+          </a:prstGeom>
+          <a:noFill/>
+        </p:spPr>
+        <p:txBody>
+          <a:bodyPr wrap="none" rtlCol="0">
+            <a:spAutoFit/>
+          </a:bodyPr>
+          <a:lstStyle/>
+          <a:p>
+            <a:r>
+              <a:rPr lang="en-US" altLang="zh-TW" dirty="0">
+                <a:latin typeface="Times New Roman" panose="02020603050405020304" pitchFamily="18" charset="0"/>
+                <a:cs typeface="Times New Roman" panose="02020603050405020304" pitchFamily="18" charset="0"/>
+              </a:rPr>
+              <a:t>SOCS coding roughly complete (execute time). </a:t>
+            </a:r>
+            <a:endParaRPr lang="zh-TW" altLang="en-US" dirty="0">
+              <a:latin typeface="Times New Roman" panose="02020603050405020304" pitchFamily="18" charset="0"/>
+              <a:cs typeface="Times New Roman" panose="02020603050405020304" pitchFamily="18" charset="0"/>
+            </a:endParaRPr>
+          </a:p>
+        </p:txBody>
+      </p:sp>
+      <p:sp>
+        <p:nvSpPr>
+          <p:cNvPr id="13" name="文字方塊 12">
+            <a:extLst>
+              <a:ext uri="{FF2B5EF4-FFF2-40B4-BE49-F238E27FC236}">
+                <a16:creationId xmlns:a16="http://schemas.microsoft.com/office/drawing/2014/main" id="{94B70F54-5164-4A93-A8FB-F4B2B394F00C}"/>
+              </a:ext>
+            </a:extLst>
+          </p:cNvPr>
+          <p:cNvSpPr txBox="1"/>
+          <p:nvPr/>
+        </p:nvSpPr>
+        <p:spPr>
+          <a:xfrm>
+            <a:off x="710170" y="5681528"/>
+            <a:ext cx="5153975" cy="369332"/>
+          </a:xfrm>
+          <a:prstGeom prst="rect">
+            <a:avLst/>
+          </a:prstGeom>
+          <a:noFill/>
+        </p:spPr>
+        <p:txBody>
+          <a:bodyPr wrap="none" rtlCol="0">
+            <a:spAutoFit/>
+          </a:bodyPr>
+          <a:lstStyle/>
+          <a:p>
+            <a:r>
+              <a:rPr lang="en-US" altLang="zh-TW" dirty="0">
+                <a:solidFill>
+                  <a:srgbClr val="202122"/>
+                </a:solidFill>
+                <a:latin typeface="Times New Roman" panose="02020603050405020304" pitchFamily="18" charset="0"/>
+                <a:cs typeface="Times New Roman" panose="02020603050405020304" pitchFamily="18" charset="0"/>
+              </a:rPr>
+              <a:t>Huygens–Fresnel principle coding has not started yet.</a:t>
+            </a:r>
+            <a:endParaRPr lang="zh-TW" altLang="en-US" dirty="0">
+              <a:latin typeface="Times New Roman" panose="02020603050405020304" pitchFamily="18" charset="0"/>
+              <a:cs typeface="Times New Roman" panose="02020603050405020304" pitchFamily="18" charset="0"/>
+            </a:endParaRPr>
+          </a:p>
+        </p:txBody>
+      </p:sp>
+      <p:pic>
+        <p:nvPicPr>
+          <p:cNvPr id="14" name="圖片 13">
+            <a:extLst>
+              <a:ext uri="{FF2B5EF4-FFF2-40B4-BE49-F238E27FC236}">
+                <a16:creationId xmlns:a16="http://schemas.microsoft.com/office/drawing/2014/main" id="{643B31AA-ED76-478D-AEF1-557831C373A9}"/>
+              </a:ext>
+            </a:extLst>
+          </p:cNvPr>
+          <p:cNvPicPr/>
+          <p:nvPr/>
+        </p:nvPicPr>
+        <p:blipFill rotWithShape="1">
+          <a:blip r:embed="rId2"/>
+          <a:srcRect l="4001" t="2975" b="1"/>
+          <a:stretch/>
+        </p:blipFill>
+        <p:spPr>
+          <a:xfrm>
+            <a:off x="6288663" y="1368078"/>
+            <a:ext cx="5338713" cy="2031325"/>
+          </a:xfrm>
+          <a:prstGeom prst="rect">
+            <a:avLst/>
+          </a:prstGeom>
+        </p:spPr>
+      </p:pic>
     </p:spTree>
     <p:extLst>
       <p:ext uri="{BB962C8B-B14F-4D97-AF65-F5344CB8AC3E}">
@@ -3691,7 +3986,7 @@
           <a:lstStyle/>
           <a:p>
             <a:r>
-              <a:rPr lang="en-US" altLang="zh-TW" dirty="0" smtClean="0">
+              <a:rPr lang="en-US" altLang="zh-TW" dirty="0">
                 <a:latin typeface="Times New Roman" panose="02020603050405020304" pitchFamily="18" charset="0"/>
                 <a:cs typeface="Times New Roman" panose="02020603050405020304" pitchFamily="18" charset="0"/>
               </a:rPr>
@@ -3727,7 +4022,7 @@
           <a:lstStyle/>
           <a:p>
             <a:r>
-              <a:rPr lang="en-US" altLang="zh-TW" dirty="0" smtClean="0">
+              <a:rPr lang="en-US" altLang="zh-TW" dirty="0">
                 <a:latin typeface="Times New Roman" panose="02020603050405020304" pitchFamily="18" charset="0"/>
                 <a:cs typeface="Times New Roman" panose="02020603050405020304" pitchFamily="18" charset="0"/>
               </a:rPr>
@@ -3763,7 +4058,7 @@
           <a:lstStyle/>
           <a:p>
             <a:r>
-              <a:rPr lang="en-US" altLang="zh-TW" dirty="0" smtClean="0">
+              <a:rPr lang="en-US" altLang="zh-TW" dirty="0">
                 <a:latin typeface="Times New Roman" panose="02020603050405020304" pitchFamily="18" charset="0"/>
                 <a:cs typeface="Times New Roman" panose="02020603050405020304" pitchFamily="18" charset="0"/>
               </a:rPr>
@@ -3799,7 +4094,7 @@
           <a:lstStyle/>
           <a:p>
             <a:r>
-              <a:rPr lang="en-US" altLang="zh-TW" dirty="0" smtClean="0">
+              <a:rPr lang="en-US" altLang="zh-TW" dirty="0">
                 <a:latin typeface="Times New Roman" panose="02020603050405020304" pitchFamily="18" charset="0"/>
                 <a:cs typeface="Times New Roman" panose="02020603050405020304" pitchFamily="18" charset="0"/>
               </a:rPr>
@@ -3835,7 +4130,7 @@
           <a:lstStyle/>
           <a:p>
             <a:r>
-              <a:rPr lang="en-US" altLang="zh-TW" dirty="0" smtClean="0">
+              <a:rPr lang="en-US" altLang="zh-TW" dirty="0">
                 <a:latin typeface="Times New Roman" panose="02020603050405020304" pitchFamily="18" charset="0"/>
                 <a:cs typeface="Times New Roman" panose="02020603050405020304" pitchFamily="18" charset="0"/>
               </a:rPr>
@@ -3871,7 +4166,7 @@
           <a:lstStyle/>
           <a:p>
             <a:r>
-              <a:rPr lang="en-US" altLang="zh-TW" dirty="0" smtClean="0">
+              <a:rPr lang="en-US" altLang="zh-TW" dirty="0">
                 <a:latin typeface="Times New Roman" panose="02020603050405020304" pitchFamily="18" charset="0"/>
                 <a:cs typeface="Times New Roman" panose="02020603050405020304" pitchFamily="18" charset="0"/>
               </a:rPr>
@@ -3907,7 +4202,7 @@
           <a:lstStyle/>
           <a:p>
             <a:r>
-              <a:rPr lang="en-US" altLang="zh-TW" dirty="0" smtClean="0">
+              <a:rPr lang="en-US" altLang="zh-TW" dirty="0">
                 <a:latin typeface="Times New Roman" panose="02020603050405020304" pitchFamily="18" charset="0"/>
                 <a:cs typeface="Times New Roman" panose="02020603050405020304" pitchFamily="18" charset="0"/>
               </a:rPr>
@@ -3943,7 +4238,7 @@
           <a:lstStyle/>
           <a:p>
             <a:r>
-              <a:rPr lang="en-US" altLang="zh-TW" dirty="0" smtClean="0">
+              <a:rPr lang="en-US" altLang="zh-TW" dirty="0">
                 <a:latin typeface="Times New Roman" panose="02020603050405020304" pitchFamily="18" charset="0"/>
                 <a:cs typeface="Times New Roman" panose="02020603050405020304" pitchFamily="18" charset="0"/>
               </a:rPr>
@@ -3983,14 +4278,7 @@
                 <a:latin typeface="Times New Roman" panose="02020603050405020304" pitchFamily="18" charset="0"/>
                 <a:cs typeface="Times New Roman" panose="02020603050405020304" pitchFamily="18" charset="0"/>
               </a:rPr>
-              <a:t>4</a:t>
-            </a:r>
-            <a:r>
-              <a:rPr lang="en-US" altLang="zh-TW" dirty="0" smtClean="0">
-                <a:latin typeface="Times New Roman" panose="02020603050405020304" pitchFamily="18" charset="0"/>
-                <a:cs typeface="Times New Roman" panose="02020603050405020304" pitchFamily="18" charset="0"/>
-              </a:rPr>
-              <a:t>-f system</a:t>
+              <a:t>4-f system</a:t>
             </a:r>
             <a:endParaRPr lang="zh-TW" altLang="en-US" dirty="0">
               <a:latin typeface="Times New Roman" panose="02020603050405020304" pitchFamily="18" charset="0"/>
@@ -4197,7 +4485,7 @@
           <a:lstStyle/>
           <a:p>
             <a:r>
-              <a:rPr lang="en-US" altLang="zh-TW" dirty="0" smtClean="0">
+              <a:rPr lang="en-US" altLang="zh-TW" dirty="0">
                 <a:latin typeface="Times New Roman" panose="02020603050405020304" pitchFamily="18" charset="0"/>
                 <a:cs typeface="Times New Roman" panose="02020603050405020304" pitchFamily="18" charset="0"/>
               </a:rPr>
@@ -4233,7 +4521,7 @@
           <a:lstStyle/>
           <a:p>
             <a:r>
-              <a:rPr lang="en-US" altLang="zh-TW" sz="2800" dirty="0" smtClean="0">
+              <a:rPr lang="en-US" altLang="zh-TW" sz="2800" dirty="0">
                 <a:latin typeface="Times New Roman" panose="02020603050405020304" pitchFamily="18" charset="0"/>
                 <a:cs typeface="Times New Roman" panose="02020603050405020304" pitchFamily="18" charset="0"/>
               </a:rPr>
@@ -4589,7 +4877,7 @@
           <a:lstStyle/>
           <a:p>
             <a:r>
-              <a:rPr lang="en-US" altLang="zh-TW" dirty="0" smtClean="0">
+              <a:rPr lang="en-US" altLang="zh-TW" dirty="0">
                 <a:latin typeface="Times New Roman" panose="02020603050405020304" pitchFamily="18" charset="0"/>
                 <a:cs typeface="Times New Roman" panose="02020603050405020304" pitchFamily="18" charset="0"/>
               </a:rPr>
@@ -4625,7 +4913,7 @@
           <a:lstStyle/>
           <a:p>
             <a:r>
-              <a:rPr lang="en-US" altLang="zh-TW" dirty="0" smtClean="0">
+              <a:rPr lang="en-US" altLang="zh-TW" dirty="0">
                 <a:latin typeface="Times New Roman" panose="02020603050405020304" pitchFamily="18" charset="0"/>
                 <a:cs typeface="Times New Roman" panose="02020603050405020304" pitchFamily="18" charset="0"/>
               </a:rPr>
@@ -4638,8 +4926,8 @@
           </a:p>
         </p:txBody>
       </p:sp>
-      <mc:AlternateContent xmlns:mc="http://schemas.openxmlformats.org/markup-compatibility/2006">
-        <mc:Choice xmlns:a14="http://schemas.microsoft.com/office/drawing/2010/main" Requires="a14">
+      <mc:AlternateContent xmlns:mc="http://schemas.openxmlformats.org/markup-compatibility/2006" xmlns:a14="http://schemas.microsoft.com/office/drawing/2010/main">
+        <mc:Choice Requires="a14">
           <p:sp>
             <p:nvSpPr>
               <p:cNvPr id="19" name="文字方塊 18"/>
@@ -4663,7 +4951,7 @@
               <a:lstStyle/>
               <a:p>
                 <a:r>
-                  <a:rPr lang="en-US" altLang="zh-TW" dirty="0" smtClean="0">
+                  <a:rPr lang="en-US" altLang="zh-TW" dirty="0">
                     <a:latin typeface="Times New Roman" panose="02020603050405020304" pitchFamily="18" charset="0"/>
                     <a:cs typeface="Times New Roman" panose="02020603050405020304" pitchFamily="18" charset="0"/>
                   </a:rPr>
@@ -4695,7 +4983,7 @@
             </p:txBody>
           </p:sp>
         </mc:Choice>
-        <mc:Fallback>
+        <mc:Fallback xmlns="">
           <p:sp>
             <p:nvSpPr>
               <p:cNvPr id="19" name="文字方塊 18"/>
@@ -4734,44 +5022,8 @@
           </p:sp>
         </mc:Fallback>
       </mc:AlternateContent>
-      <p:sp>
-        <p:nvSpPr>
-          <p:cNvPr id="21" name="文字方塊 20"/>
-          <p:cNvSpPr txBox="1"/>
-          <p:nvPr/>
-        </p:nvSpPr>
-        <p:spPr>
-          <a:xfrm>
-            <a:off x="10253978" y="5897908"/>
-            <a:ext cx="761747" cy="369332"/>
-          </a:xfrm>
-          <a:prstGeom prst="rect">
-            <a:avLst/>
-          </a:prstGeom>
-          <a:noFill/>
-        </p:spPr>
-        <p:txBody>
-          <a:bodyPr wrap="square" rtlCol="0">
-            <a:spAutoFit/>
-          </a:bodyPr>
-          <a:lstStyle/>
-          <a:p>
-            <a:r>
-              <a:rPr lang="en-US" altLang="zh-TW" dirty="0" smtClean="0">
-                <a:latin typeface="Times New Roman" panose="02020603050405020304" pitchFamily="18" charset="0"/>
-                <a:cs typeface="Times New Roman" panose="02020603050405020304" pitchFamily="18" charset="0"/>
-              </a:rPr>
-              <a:t>Image</a:t>
-            </a:r>
-            <a:endParaRPr lang="zh-TW" altLang="en-US" dirty="0">
-              <a:latin typeface="Times New Roman" panose="02020603050405020304" pitchFamily="18" charset="0"/>
-              <a:cs typeface="Times New Roman" panose="02020603050405020304" pitchFamily="18" charset="0"/>
-            </a:endParaRPr>
-          </a:p>
-        </p:txBody>
-      </p:sp>
-      <mc:AlternateContent xmlns:mc="http://schemas.openxmlformats.org/markup-compatibility/2006">
-        <mc:Choice xmlns:a14="http://schemas.microsoft.com/office/drawing/2010/main" Requires="a14">
+      <mc:AlternateContent xmlns:mc="http://schemas.openxmlformats.org/markup-compatibility/2006" xmlns:a14="http://schemas.microsoft.com/office/drawing/2010/main">
+        <mc:Choice Requires="a14">
           <p:sp>
             <p:nvSpPr>
               <p:cNvPr id="22" name="文字方塊 21"/>
@@ -4795,7 +5047,7 @@
               <a:lstStyle/>
               <a:p>
                 <a:r>
-                  <a:rPr lang="en-US" altLang="zh-TW" dirty="0" smtClean="0">
+                  <a:rPr lang="en-US" altLang="zh-TW" dirty="0">
                     <a:latin typeface="Times New Roman" panose="02020603050405020304" pitchFamily="18" charset="0"/>
                     <a:cs typeface="Times New Roman" panose="02020603050405020304" pitchFamily="18" charset="0"/>
                   </a:rPr>
@@ -4827,7 +5079,7 @@
             </p:txBody>
           </p:sp>
         </mc:Choice>
-        <mc:Fallback>
+        <mc:Fallback xmlns="">
           <p:sp>
             <p:nvSpPr>
               <p:cNvPr id="22" name="文字方塊 21"/>
@@ -4889,7 +5141,7 @@
           <a:lstStyle/>
           <a:p>
             <a:r>
-              <a:rPr lang="en-US" altLang="zh-TW" dirty="0" smtClean="0">
+              <a:rPr lang="en-US" altLang="zh-TW" dirty="0">
                 <a:latin typeface="Times New Roman" panose="02020603050405020304" pitchFamily="18" charset="0"/>
                 <a:cs typeface="Times New Roman" panose="02020603050405020304" pitchFamily="18" charset="0"/>
               </a:rPr>
@@ -4925,7 +5177,7 @@
           <a:lstStyle/>
           <a:p>
             <a:r>
-              <a:rPr lang="en-US" altLang="zh-TW" dirty="0" smtClean="0">
+              <a:rPr lang="en-US" altLang="zh-TW" dirty="0">
                 <a:latin typeface="Times New Roman" panose="02020603050405020304" pitchFamily="18" charset="0"/>
                 <a:cs typeface="Times New Roman" panose="02020603050405020304" pitchFamily="18" charset="0"/>
               </a:rPr>
@@ -4938,8 +5190,8 @@
           </a:p>
         </p:txBody>
       </p:sp>
-      <mc:AlternateContent xmlns:mc="http://schemas.openxmlformats.org/markup-compatibility/2006">
-        <mc:Choice xmlns:a14="http://schemas.microsoft.com/office/drawing/2010/main" Requires="a14">
+      <mc:AlternateContent xmlns:mc="http://schemas.openxmlformats.org/markup-compatibility/2006" xmlns:a14="http://schemas.microsoft.com/office/drawing/2010/main">
+        <mc:Choice Requires="a14">
           <p:sp>
             <p:nvSpPr>
               <p:cNvPr id="25" name="文字方塊 24"/>
@@ -4963,7 +5215,7 @@
               <a:lstStyle/>
               <a:p>
                 <a:r>
-                  <a:rPr lang="en-US" altLang="zh-TW" dirty="0" smtClean="0">
+                  <a:rPr lang="en-US" altLang="zh-TW" dirty="0">
                     <a:latin typeface="Times New Roman" panose="02020603050405020304" pitchFamily="18" charset="0"/>
                     <a:cs typeface="Times New Roman" panose="02020603050405020304" pitchFamily="18" charset="0"/>
                   </a:rPr>
@@ -4995,7 +5247,7 @@
             </p:txBody>
           </p:sp>
         </mc:Choice>
-        <mc:Fallback>
+        <mc:Fallback xmlns="">
           <p:sp>
             <p:nvSpPr>
               <p:cNvPr id="25" name="文字方塊 24"/>
@@ -5034,44 +5286,8 @@
           </p:sp>
         </mc:Fallback>
       </mc:AlternateContent>
-      <p:sp>
-        <p:nvSpPr>
-          <p:cNvPr id="26" name="文字方塊 25"/>
-          <p:cNvSpPr txBox="1"/>
-          <p:nvPr/>
-        </p:nvSpPr>
-        <p:spPr>
-          <a:xfrm>
-            <a:off x="10253978" y="3067765"/>
-            <a:ext cx="761747" cy="369332"/>
-          </a:xfrm>
-          <a:prstGeom prst="rect">
-            <a:avLst/>
-          </a:prstGeom>
-          <a:noFill/>
-        </p:spPr>
-        <p:txBody>
-          <a:bodyPr wrap="square" rtlCol="0">
-            <a:spAutoFit/>
-          </a:bodyPr>
-          <a:lstStyle/>
-          <a:p>
-            <a:r>
-              <a:rPr lang="en-US" altLang="zh-TW" dirty="0" smtClean="0">
-                <a:latin typeface="Times New Roman" panose="02020603050405020304" pitchFamily="18" charset="0"/>
-                <a:cs typeface="Times New Roman" panose="02020603050405020304" pitchFamily="18" charset="0"/>
-              </a:rPr>
-              <a:t>Image</a:t>
-            </a:r>
-            <a:endParaRPr lang="zh-TW" altLang="en-US" dirty="0">
-              <a:latin typeface="Times New Roman" panose="02020603050405020304" pitchFamily="18" charset="0"/>
-              <a:cs typeface="Times New Roman" panose="02020603050405020304" pitchFamily="18" charset="0"/>
-            </a:endParaRPr>
-          </a:p>
-        </p:txBody>
-      </p:sp>
-      <mc:AlternateContent xmlns:mc="http://schemas.openxmlformats.org/markup-compatibility/2006">
-        <mc:Choice xmlns:a14="http://schemas.microsoft.com/office/drawing/2010/main" Requires="a14">
+      <mc:AlternateContent xmlns:mc="http://schemas.openxmlformats.org/markup-compatibility/2006" xmlns:a14="http://schemas.microsoft.com/office/drawing/2010/main">
+        <mc:Choice Requires="a14">
           <p:sp>
             <p:nvSpPr>
               <p:cNvPr id="27" name="文字方塊 26"/>
@@ -5095,7 +5311,7 @@
               <a:lstStyle/>
               <a:p>
                 <a:r>
-                  <a:rPr lang="en-US" altLang="zh-TW" dirty="0" smtClean="0">
+                  <a:rPr lang="en-US" altLang="zh-TW" dirty="0">
                     <a:latin typeface="Times New Roman" panose="02020603050405020304" pitchFamily="18" charset="0"/>
                     <a:cs typeface="Times New Roman" panose="02020603050405020304" pitchFamily="18" charset="0"/>
                   </a:rPr>
@@ -5127,7 +5343,7 @@
             </p:txBody>
           </p:sp>
         </mc:Choice>
-        <mc:Fallback>
+        <mc:Fallback xmlns="">
           <p:sp>
             <p:nvSpPr>
               <p:cNvPr id="27" name="文字方塊 26"/>
@@ -5189,13 +5405,97 @@
           <a:lstStyle/>
           <a:p>
             <a:r>
-              <a:rPr lang="en-US" altLang="zh-TW" sz="2800" dirty="0" smtClean="0">
+              <a:rPr lang="en-US" altLang="zh-TW" sz="2800" dirty="0">
                 <a:latin typeface="Times New Roman" panose="02020603050405020304" pitchFamily="18" charset="0"/>
                 <a:cs typeface="Times New Roman" panose="02020603050405020304" pitchFamily="18" charset="0"/>
               </a:rPr>
               <a:t>Simulation results</a:t>
             </a:r>
             <a:endParaRPr lang="zh-TW" altLang="en-US" sz="2800" dirty="0">
+              <a:latin typeface="Times New Roman" panose="02020603050405020304" pitchFamily="18" charset="0"/>
+              <a:cs typeface="Times New Roman" panose="02020603050405020304" pitchFamily="18" charset="0"/>
+            </a:endParaRPr>
+          </a:p>
+        </p:txBody>
+      </p:sp>
+      <p:sp>
+        <p:nvSpPr>
+          <p:cNvPr id="29" name="文字方塊 28">
+            <a:extLst>
+              <a:ext uri="{FF2B5EF4-FFF2-40B4-BE49-F238E27FC236}">
+                <a16:creationId xmlns:a16="http://schemas.microsoft.com/office/drawing/2014/main" id="{C4C009FF-397D-4DEA-91C5-998E54D962BD}"/>
+              </a:ext>
+            </a:extLst>
+          </p:cNvPr>
+          <p:cNvSpPr txBox="1"/>
+          <p:nvPr/>
+        </p:nvSpPr>
+        <p:spPr>
+          <a:xfrm>
+            <a:off x="9804056" y="5897908"/>
+            <a:ext cx="1678665" cy="369332"/>
+          </a:xfrm>
+          <a:prstGeom prst="rect">
+            <a:avLst/>
+          </a:prstGeom>
+          <a:noFill/>
+        </p:spPr>
+        <p:txBody>
+          <a:bodyPr wrap="none" rtlCol="0">
+            <a:spAutoFit/>
+          </a:bodyPr>
+          <a:lstStyle/>
+          <a:p>
+            <a:r>
+              <a:rPr lang="en-US" altLang="zh-TW" dirty="0">
+                <a:latin typeface="Times New Roman" panose="02020603050405020304" pitchFamily="18" charset="0"/>
+                <a:cs typeface="Times New Roman" panose="02020603050405020304" pitchFamily="18" charset="0"/>
+              </a:rPr>
+              <a:t>oblique incident</a:t>
+            </a:r>
+            <a:endParaRPr lang="zh-TW" altLang="en-US" dirty="0">
+              <a:latin typeface="Times New Roman" panose="02020603050405020304" pitchFamily="18" charset="0"/>
+              <a:cs typeface="Times New Roman" panose="02020603050405020304" pitchFamily="18" charset="0"/>
+            </a:endParaRPr>
+          </a:p>
+        </p:txBody>
+      </p:sp>
+      <p:sp>
+        <p:nvSpPr>
+          <p:cNvPr id="30" name="文字方塊 29">
+            <a:extLst>
+              <a:ext uri="{FF2B5EF4-FFF2-40B4-BE49-F238E27FC236}">
+                <a16:creationId xmlns:a16="http://schemas.microsoft.com/office/drawing/2014/main" id="{593E7BA8-EED2-4949-9C70-EED893CB525C}"/>
+              </a:ext>
+            </a:extLst>
+          </p:cNvPr>
+          <p:cNvSpPr txBox="1"/>
+          <p:nvPr/>
+        </p:nvSpPr>
+        <p:spPr>
+          <a:xfrm>
+            <a:off x="9795519" y="3067765"/>
+            <a:ext cx="1678665" cy="369332"/>
+          </a:xfrm>
+          <a:prstGeom prst="rect">
+            <a:avLst/>
+          </a:prstGeom>
+          <a:noFill/>
+        </p:spPr>
+        <p:txBody>
+          <a:bodyPr wrap="none" rtlCol="0">
+            <a:spAutoFit/>
+          </a:bodyPr>
+          <a:lstStyle/>
+          <a:p>
+            <a:r>
+              <a:rPr lang="en-US" altLang="zh-TW" dirty="0">
+                <a:latin typeface="Times New Roman" panose="02020603050405020304" pitchFamily="18" charset="0"/>
+                <a:cs typeface="Times New Roman" panose="02020603050405020304" pitchFamily="18" charset="0"/>
+              </a:rPr>
+              <a:t>oblique incident</a:t>
+            </a:r>
+            <a:endParaRPr lang="zh-TW" altLang="en-US" dirty="0">
               <a:latin typeface="Times New Roman" panose="02020603050405020304" pitchFamily="18" charset="0"/>
               <a:cs typeface="Times New Roman" panose="02020603050405020304" pitchFamily="18" charset="0"/>
             </a:endParaRPr>
@@ -5255,7 +5555,7 @@
           <a:lstStyle/>
           <a:p>
             <a:r>
-              <a:rPr lang="en-US" altLang="zh-TW" sz="2800" dirty="0" smtClean="0">
+              <a:rPr lang="en-US" altLang="zh-TW" sz="2800" dirty="0">
                 <a:latin typeface="Times New Roman" panose="02020603050405020304" pitchFamily="18" charset="0"/>
                 <a:cs typeface="Times New Roman" panose="02020603050405020304" pitchFamily="18" charset="0"/>
               </a:rPr>
@@ -5276,8 +5576,8 @@
         </p:nvSpPr>
         <p:spPr>
           <a:xfrm>
-            <a:off x="687200" y="1327865"/>
-            <a:ext cx="1858201" cy="369332"/>
+            <a:off x="593723" y="1050149"/>
+            <a:ext cx="9413878" cy="646331"/>
           </a:xfrm>
           <a:prstGeom prst="rect">
             <a:avLst/>
@@ -5285,17 +5585,17 @@
           <a:noFill/>
         </p:spPr>
         <p:txBody>
-          <a:bodyPr wrap="none" rtlCol="0">
+          <a:bodyPr wrap="square" rtlCol="0">
             <a:spAutoFit/>
           </a:bodyPr>
           <a:lstStyle/>
           <a:p>
             <a:r>
-              <a:rPr lang="en-US" altLang="zh-TW" dirty="0" smtClean="0">
+              <a:rPr lang="en-US" altLang="zh-TW" dirty="0">
                 <a:latin typeface="Times New Roman" panose="02020603050405020304" pitchFamily="18" charset="0"/>
                 <a:cs typeface="Times New Roman" panose="02020603050405020304" pitchFamily="18" charset="0"/>
               </a:rPr>
-              <a:t>Sum of coherent s</a:t>
+              <a:t>Sum of coherent system(SOCS). By first calculating the interaction between the source function and the pupil function, we can achieve shorter computation time.</a:t>
             </a:r>
             <a:endParaRPr lang="zh-TW" altLang="en-US" dirty="0">
               <a:latin typeface="Times New Roman" panose="02020603050405020304" pitchFamily="18" charset="0"/>
@@ -5304,40 +5604,1393 @@
           </a:p>
         </p:txBody>
       </p:sp>
+      <mc:AlternateContent xmlns:mc="http://schemas.openxmlformats.org/markup-compatibility/2006" xmlns:a14="http://schemas.microsoft.com/office/drawing/2010/main">
+        <mc:Choice Requires="a14">
+          <p:sp>
+            <p:nvSpPr>
+              <p:cNvPr id="2" name="文字方塊 1">
+                <a:extLst>
+                  <a:ext uri="{FF2B5EF4-FFF2-40B4-BE49-F238E27FC236}">
+                    <a16:creationId xmlns:a16="http://schemas.microsoft.com/office/drawing/2014/main" id="{28FBAEED-B369-4242-9454-B9039369A50C}"/>
+                  </a:ext>
+                </a:extLst>
+              </p:cNvPr>
+              <p:cNvSpPr txBox="1"/>
+              <p:nvPr/>
+            </p:nvSpPr>
+            <p:spPr>
+              <a:xfrm>
+                <a:off x="1985971" y="2135776"/>
+                <a:ext cx="5403338" cy="597599"/>
+              </a:xfrm>
+              <a:prstGeom prst="rect">
+                <a:avLst/>
+              </a:prstGeom>
+              <a:noFill/>
+            </p:spPr>
+            <p:txBody>
+              <a:bodyPr wrap="none" lIns="0" tIns="0" rIns="0" bIns="0" rtlCol="0">
+                <a:spAutoFit/>
+              </a:bodyPr>
+              <a:lstStyle/>
+              <a:p>
+                <a:pPr/>
+                <a14:m>
+                  <m:oMathPara xmlns:m="http://schemas.openxmlformats.org/officeDocument/2006/math">
+                    <m:oMathParaPr>
+                      <m:jc m:val="centerGroup"/>
+                    </m:oMathParaPr>
+                    <m:oMath xmlns:m="http://schemas.openxmlformats.org/officeDocument/2006/math">
+                      <m:r>
+                        <a:rPr lang="en-US" altLang="zh-TW" b="0" i="1" smtClean="0">
+                          <a:latin typeface="Cambria Math" panose="02040503050406030204" pitchFamily="18" charset="0"/>
+                        </a:rPr>
+                        <m:t>𝑇𝐶𝐶</m:t>
+                      </m:r>
+                      <m:d>
+                        <m:dPr>
+                          <m:ctrlPr>
+                            <a:rPr lang="en-US" altLang="zh-TW" b="0" i="1" smtClean="0">
+                              <a:latin typeface="Cambria Math" panose="02040503050406030204" pitchFamily="18" charset="0"/>
+                            </a:rPr>
+                          </m:ctrlPr>
+                        </m:dPr>
+                        <m:e>
+                          <m:sSub>
+                            <m:sSubPr>
+                              <m:ctrlPr>
+                                <a:rPr lang="en-US" altLang="zh-TW" b="0" i="1" smtClean="0">
+                                  <a:latin typeface="Cambria Math" panose="02040503050406030204" pitchFamily="18" charset="0"/>
+                                </a:rPr>
+                              </m:ctrlPr>
+                            </m:sSubPr>
+                            <m:e>
+                              <m:r>
+                                <a:rPr lang="en-US" altLang="zh-TW" b="0" i="1" smtClean="0">
+                                  <a:latin typeface="Cambria Math" panose="02040503050406030204" pitchFamily="18" charset="0"/>
+                                </a:rPr>
+                                <m:t>𝑓</m:t>
+                              </m:r>
+                            </m:e>
+                            <m:sub>
+                              <m:r>
+                                <a:rPr lang="en-US" altLang="zh-TW" b="0" i="1" smtClean="0">
+                                  <a:latin typeface="Cambria Math" panose="02040503050406030204" pitchFamily="18" charset="0"/>
+                                </a:rPr>
+                                <m:t>𝑥</m:t>
+                              </m:r>
+                            </m:sub>
+                          </m:sSub>
+                          <m:r>
+                            <a:rPr lang="en-US" altLang="zh-TW" b="0" i="1" smtClean="0">
+                              <a:latin typeface="Cambria Math" panose="02040503050406030204" pitchFamily="18" charset="0"/>
+                            </a:rPr>
+                            <m:t>,</m:t>
+                          </m:r>
+                          <m:sSub>
+                            <m:sSubPr>
+                              <m:ctrlPr>
+                                <a:rPr lang="en-US" altLang="zh-TW" b="0" i="1" smtClean="0">
+                                  <a:latin typeface="Cambria Math" panose="02040503050406030204" pitchFamily="18" charset="0"/>
+                                </a:rPr>
+                              </m:ctrlPr>
+                            </m:sSubPr>
+                            <m:e>
+                              <m:acc>
+                                <m:accPr>
+                                  <m:chr m:val="̃"/>
+                                  <m:ctrlPr>
+                                    <a:rPr lang="en-US" altLang="zh-TW" b="0" i="1" smtClean="0">
+                                      <a:latin typeface="Cambria Math" panose="02040503050406030204" pitchFamily="18" charset="0"/>
+                                    </a:rPr>
+                                  </m:ctrlPr>
+                                </m:accPr>
+                                <m:e>
+                                  <m:r>
+                                    <a:rPr lang="en-US" altLang="zh-TW" b="0" i="1" smtClean="0">
+                                      <a:latin typeface="Cambria Math" panose="02040503050406030204" pitchFamily="18" charset="0"/>
+                                    </a:rPr>
+                                    <m:t>𝑓</m:t>
+                                  </m:r>
+                                </m:e>
+                              </m:acc>
+                            </m:e>
+                            <m:sub>
+                              <m:r>
+                                <a:rPr lang="en-US" altLang="zh-TW" b="0" i="1" smtClean="0">
+                                  <a:latin typeface="Cambria Math" panose="02040503050406030204" pitchFamily="18" charset="0"/>
+                                </a:rPr>
+                                <m:t>𝑥</m:t>
+                              </m:r>
+                            </m:sub>
+                          </m:sSub>
+                        </m:e>
+                      </m:d>
+                      <m:r>
+                        <a:rPr lang="en-US" altLang="zh-TW" b="0" i="1" smtClean="0">
+                          <a:latin typeface="Cambria Math" panose="02040503050406030204" pitchFamily="18" charset="0"/>
+                        </a:rPr>
+                        <m:t>= </m:t>
+                      </m:r>
+                      <m:nary>
+                        <m:naryPr>
+                          <m:ctrlPr>
+                            <a:rPr lang="en-US" altLang="zh-TW" b="0" i="1" smtClean="0">
+                              <a:latin typeface="Cambria Math" panose="02040503050406030204" pitchFamily="18" charset="0"/>
+                            </a:rPr>
+                          </m:ctrlPr>
+                        </m:naryPr>
+                        <m:sub>
+                          <m:r>
+                            <m:rPr>
+                              <m:brk m:alnAt="23"/>
+                            </m:rPr>
+                            <a:rPr lang="en-US" altLang="zh-TW" b="0" i="1" smtClean="0">
+                              <a:latin typeface="Cambria Math" panose="02040503050406030204" pitchFamily="18" charset="0"/>
+                            </a:rPr>
+                            <m:t>−</m:t>
+                          </m:r>
+                          <m:r>
+                            <a:rPr lang="en-US" altLang="zh-TW" b="0" i="1" smtClean="0">
+                              <a:latin typeface="Cambria Math" panose="02040503050406030204" pitchFamily="18" charset="0"/>
+                              <a:ea typeface="Cambria Math" panose="02040503050406030204" pitchFamily="18" charset="0"/>
+                            </a:rPr>
+                            <m:t>∞</m:t>
+                          </m:r>
+                        </m:sub>
+                        <m:sup>
+                          <m:r>
+                            <a:rPr lang="en-US" altLang="zh-TW" b="0" i="1" smtClean="0">
+                              <a:latin typeface="Cambria Math" panose="02040503050406030204" pitchFamily="18" charset="0"/>
+                              <a:ea typeface="Cambria Math" panose="02040503050406030204" pitchFamily="18" charset="0"/>
+                            </a:rPr>
+                            <m:t>∞</m:t>
+                          </m:r>
+                        </m:sup>
+                        <m:e>
+                          <m:r>
+                            <a:rPr lang="en-US" altLang="zh-TW" b="0" i="1" smtClean="0">
+                              <a:latin typeface="Cambria Math" panose="02040503050406030204" pitchFamily="18" charset="0"/>
+                            </a:rPr>
+                            <m:t>𝑃</m:t>
+                          </m:r>
+                          <m:d>
+                            <m:dPr>
+                              <m:ctrlPr>
+                                <a:rPr lang="en-US" altLang="zh-TW" b="0" i="1" smtClean="0">
+                                  <a:latin typeface="Cambria Math" panose="02040503050406030204" pitchFamily="18" charset="0"/>
+                                </a:rPr>
+                              </m:ctrlPr>
+                            </m:dPr>
+                            <m:e>
+                              <m:sSub>
+                                <m:sSubPr>
+                                  <m:ctrlPr>
+                                    <a:rPr lang="en-US" altLang="zh-TW" i="1">
+                                      <a:latin typeface="Cambria Math" panose="02040503050406030204" pitchFamily="18" charset="0"/>
+                                    </a:rPr>
+                                  </m:ctrlPr>
+                                </m:sSubPr>
+                                <m:e>
+                                  <m:r>
+                                    <a:rPr lang="en-US" altLang="zh-TW" i="1">
+                                      <a:latin typeface="Cambria Math" panose="02040503050406030204" pitchFamily="18" charset="0"/>
+                                    </a:rPr>
+                                    <m:t>𝑓</m:t>
+                                  </m:r>
+                                </m:e>
+                                <m:sub>
+                                  <m:r>
+                                    <a:rPr lang="en-US" altLang="zh-TW" i="1">
+                                      <a:latin typeface="Cambria Math" panose="02040503050406030204" pitchFamily="18" charset="0"/>
+                                    </a:rPr>
+                                    <m:t>𝑥</m:t>
+                                  </m:r>
+                                </m:sub>
+                              </m:sSub>
+                              <m:r>
+                                <a:rPr lang="en-US" altLang="zh-TW" b="0" i="1" smtClean="0">
+                                  <a:latin typeface="Cambria Math" panose="02040503050406030204" pitchFamily="18" charset="0"/>
+                                </a:rPr>
+                                <m:t>+</m:t>
+                              </m:r>
+                              <m:sSub>
+                                <m:sSubPr>
+                                  <m:ctrlPr>
+                                    <a:rPr lang="en-US" altLang="zh-TW" i="1">
+                                      <a:latin typeface="Cambria Math" panose="02040503050406030204" pitchFamily="18" charset="0"/>
+                                    </a:rPr>
+                                  </m:ctrlPr>
+                                </m:sSubPr>
+                                <m:e>
+                                  <m:sSup>
+                                    <m:sSupPr>
+                                      <m:ctrlPr>
+                                        <a:rPr lang="en-US" altLang="zh-TW" b="0" i="1" smtClean="0">
+                                          <a:latin typeface="Cambria Math" panose="02040503050406030204" pitchFamily="18" charset="0"/>
+                                        </a:rPr>
+                                      </m:ctrlPr>
+                                    </m:sSupPr>
+                                    <m:e>
+                                      <m:r>
+                                        <a:rPr lang="en-US" altLang="zh-TW" i="1">
+                                          <a:latin typeface="Cambria Math" panose="02040503050406030204" pitchFamily="18" charset="0"/>
+                                        </a:rPr>
+                                        <m:t>𝑓</m:t>
+                                      </m:r>
+                                    </m:e>
+                                    <m:sup>
+                                      <m:r>
+                                        <a:rPr lang="en-US" altLang="zh-TW" b="0" i="1" smtClean="0">
+                                          <a:latin typeface="Cambria Math" panose="02040503050406030204" pitchFamily="18" charset="0"/>
+                                        </a:rPr>
+                                        <m:t>′</m:t>
+                                      </m:r>
+                                    </m:sup>
+                                  </m:sSup>
+                                </m:e>
+                                <m:sub>
+                                  <m:r>
+                                    <a:rPr lang="en-US" altLang="zh-TW" i="1">
+                                      <a:latin typeface="Cambria Math" panose="02040503050406030204" pitchFamily="18" charset="0"/>
+                                    </a:rPr>
+                                    <m:t>𝑥</m:t>
+                                  </m:r>
+                                </m:sub>
+                              </m:sSub>
+                            </m:e>
+                          </m:d>
+                          <m:sSup>
+                            <m:sSupPr>
+                              <m:ctrlPr>
+                                <a:rPr lang="en-US" altLang="zh-TW" b="0" i="1" smtClean="0">
+                                  <a:latin typeface="Cambria Math" panose="02040503050406030204" pitchFamily="18" charset="0"/>
+                                </a:rPr>
+                              </m:ctrlPr>
+                            </m:sSupPr>
+                            <m:e>
+                              <m:r>
+                                <a:rPr lang="en-US" altLang="zh-TW" b="0" i="1" smtClean="0">
+                                  <a:latin typeface="Cambria Math" panose="02040503050406030204" pitchFamily="18" charset="0"/>
+                                </a:rPr>
+                                <m:t>𝑃</m:t>
+                              </m:r>
+                            </m:e>
+                            <m:sup>
+                              <m:r>
+                                <a:rPr lang="en-US" altLang="zh-TW" b="0" i="1" smtClean="0">
+                                  <a:latin typeface="Cambria Math" panose="02040503050406030204" pitchFamily="18" charset="0"/>
+                                </a:rPr>
+                                <m:t>∗</m:t>
+                              </m:r>
+                            </m:sup>
+                          </m:sSup>
+                          <m:d>
+                            <m:dPr>
+                              <m:ctrlPr>
+                                <a:rPr lang="en-US" altLang="zh-TW" b="0" i="1" smtClean="0">
+                                  <a:latin typeface="Cambria Math" panose="02040503050406030204" pitchFamily="18" charset="0"/>
+                                </a:rPr>
+                              </m:ctrlPr>
+                            </m:dPr>
+                            <m:e>
+                              <m:sSub>
+                                <m:sSubPr>
+                                  <m:ctrlPr>
+                                    <a:rPr lang="en-US" altLang="zh-TW" i="1">
+                                      <a:latin typeface="Cambria Math" panose="02040503050406030204" pitchFamily="18" charset="0"/>
+                                    </a:rPr>
+                                  </m:ctrlPr>
+                                </m:sSubPr>
+                                <m:e>
+                                  <m:acc>
+                                    <m:accPr>
+                                      <m:chr m:val="̃"/>
+                                      <m:ctrlPr>
+                                        <a:rPr lang="en-US" altLang="zh-TW" i="1">
+                                          <a:latin typeface="Cambria Math" panose="02040503050406030204" pitchFamily="18" charset="0"/>
+                                        </a:rPr>
+                                      </m:ctrlPr>
+                                    </m:accPr>
+                                    <m:e>
+                                      <m:r>
+                                        <a:rPr lang="en-US" altLang="zh-TW" i="1">
+                                          <a:latin typeface="Cambria Math" panose="02040503050406030204" pitchFamily="18" charset="0"/>
+                                        </a:rPr>
+                                        <m:t>𝑓</m:t>
+                                      </m:r>
+                                    </m:e>
+                                  </m:acc>
+                                </m:e>
+                                <m:sub>
+                                  <m:r>
+                                    <a:rPr lang="en-US" altLang="zh-TW" i="1">
+                                      <a:latin typeface="Cambria Math" panose="02040503050406030204" pitchFamily="18" charset="0"/>
+                                    </a:rPr>
+                                    <m:t>𝑥</m:t>
+                                  </m:r>
+                                </m:sub>
+                              </m:sSub>
+                              <m:r>
+                                <a:rPr lang="en-US" altLang="zh-TW" b="0" i="1" smtClean="0">
+                                  <a:latin typeface="Cambria Math" panose="02040503050406030204" pitchFamily="18" charset="0"/>
+                                </a:rPr>
+                                <m:t>+</m:t>
+                              </m:r>
+                              <m:sSub>
+                                <m:sSubPr>
+                                  <m:ctrlPr>
+                                    <a:rPr lang="en-US" altLang="zh-TW" i="1">
+                                      <a:latin typeface="Cambria Math" panose="02040503050406030204" pitchFamily="18" charset="0"/>
+                                    </a:rPr>
+                                  </m:ctrlPr>
+                                </m:sSubPr>
+                                <m:e>
+                                  <m:sSup>
+                                    <m:sSupPr>
+                                      <m:ctrlPr>
+                                        <a:rPr lang="en-US" altLang="zh-TW" i="1">
+                                          <a:latin typeface="Cambria Math" panose="02040503050406030204" pitchFamily="18" charset="0"/>
+                                        </a:rPr>
+                                      </m:ctrlPr>
+                                    </m:sSupPr>
+                                    <m:e>
+                                      <m:r>
+                                        <a:rPr lang="en-US" altLang="zh-TW" i="1">
+                                          <a:latin typeface="Cambria Math" panose="02040503050406030204" pitchFamily="18" charset="0"/>
+                                        </a:rPr>
+                                        <m:t>𝑓</m:t>
+                                      </m:r>
+                                    </m:e>
+                                    <m:sup>
+                                      <m:r>
+                                        <a:rPr lang="en-US" altLang="zh-TW" i="1">
+                                          <a:latin typeface="Cambria Math" panose="02040503050406030204" pitchFamily="18" charset="0"/>
+                                        </a:rPr>
+                                        <m:t>′</m:t>
+                                      </m:r>
+                                    </m:sup>
+                                  </m:sSup>
+                                </m:e>
+                                <m:sub>
+                                  <m:r>
+                                    <a:rPr lang="en-US" altLang="zh-TW" i="1">
+                                      <a:latin typeface="Cambria Math" panose="02040503050406030204" pitchFamily="18" charset="0"/>
+                                    </a:rPr>
+                                    <m:t>𝑥</m:t>
+                                  </m:r>
+                                </m:sub>
+                              </m:sSub>
+                            </m:e>
+                          </m:d>
+                          <m:acc>
+                            <m:accPr>
+                              <m:chr m:val="̃"/>
+                              <m:ctrlPr>
+                                <a:rPr lang="en-US" altLang="zh-TW" b="0" i="1" smtClean="0">
+                                  <a:latin typeface="Cambria Math" panose="02040503050406030204" pitchFamily="18" charset="0"/>
+                                </a:rPr>
+                              </m:ctrlPr>
+                            </m:accPr>
+                            <m:e>
+                              <m:r>
+                                <a:rPr lang="en-US" altLang="zh-TW" b="0" i="1" smtClean="0">
+                                  <a:latin typeface="Cambria Math" panose="02040503050406030204" pitchFamily="18" charset="0"/>
+                                </a:rPr>
+                                <m:t>𝑆</m:t>
+                              </m:r>
+                            </m:e>
+                          </m:acc>
+                          <m:d>
+                            <m:dPr>
+                              <m:ctrlPr>
+                                <a:rPr lang="en-US" altLang="zh-TW" b="0" i="1" smtClean="0">
+                                  <a:latin typeface="Cambria Math" panose="02040503050406030204" pitchFamily="18" charset="0"/>
+                                </a:rPr>
+                              </m:ctrlPr>
+                            </m:dPr>
+                            <m:e>
+                              <m:sSub>
+                                <m:sSubPr>
+                                  <m:ctrlPr>
+                                    <a:rPr lang="en-US" altLang="zh-TW" i="1">
+                                      <a:latin typeface="Cambria Math" panose="02040503050406030204" pitchFamily="18" charset="0"/>
+                                    </a:rPr>
+                                  </m:ctrlPr>
+                                </m:sSubPr>
+                                <m:e>
+                                  <m:sSup>
+                                    <m:sSupPr>
+                                      <m:ctrlPr>
+                                        <a:rPr lang="en-US" altLang="zh-TW" i="1">
+                                          <a:latin typeface="Cambria Math" panose="02040503050406030204" pitchFamily="18" charset="0"/>
+                                        </a:rPr>
+                                      </m:ctrlPr>
+                                    </m:sSupPr>
+                                    <m:e>
+                                      <m:r>
+                                        <a:rPr lang="en-US" altLang="zh-TW" i="1">
+                                          <a:latin typeface="Cambria Math" panose="02040503050406030204" pitchFamily="18" charset="0"/>
+                                        </a:rPr>
+                                        <m:t>𝑓</m:t>
+                                      </m:r>
+                                    </m:e>
+                                    <m:sup>
+                                      <m:r>
+                                        <a:rPr lang="en-US" altLang="zh-TW" i="1">
+                                          <a:latin typeface="Cambria Math" panose="02040503050406030204" pitchFamily="18" charset="0"/>
+                                        </a:rPr>
+                                        <m:t>′</m:t>
+                                      </m:r>
+                                    </m:sup>
+                                  </m:sSup>
+                                </m:e>
+                                <m:sub>
+                                  <m:r>
+                                    <a:rPr lang="en-US" altLang="zh-TW" i="1">
+                                      <a:latin typeface="Cambria Math" panose="02040503050406030204" pitchFamily="18" charset="0"/>
+                                    </a:rPr>
+                                    <m:t>𝑥</m:t>
+                                  </m:r>
+                                </m:sub>
+                              </m:sSub>
+                            </m:e>
+                          </m:d>
+                          <m:r>
+                            <a:rPr lang="en-US" altLang="zh-TW" b="0" i="1" smtClean="0">
+                              <a:latin typeface="Cambria Math" panose="02040503050406030204" pitchFamily="18" charset="0"/>
+                            </a:rPr>
+                            <m:t>𝑑</m:t>
+                          </m:r>
+                          <m:sSub>
+                            <m:sSubPr>
+                              <m:ctrlPr>
+                                <a:rPr lang="en-US" altLang="zh-TW" i="1">
+                                  <a:latin typeface="Cambria Math" panose="02040503050406030204" pitchFamily="18" charset="0"/>
+                                </a:rPr>
+                              </m:ctrlPr>
+                            </m:sSubPr>
+                            <m:e>
+                              <m:sSup>
+                                <m:sSupPr>
+                                  <m:ctrlPr>
+                                    <a:rPr lang="en-US" altLang="zh-TW" i="1">
+                                      <a:latin typeface="Cambria Math" panose="02040503050406030204" pitchFamily="18" charset="0"/>
+                                    </a:rPr>
+                                  </m:ctrlPr>
+                                </m:sSupPr>
+                                <m:e>
+                                  <m:r>
+                                    <a:rPr lang="en-US" altLang="zh-TW" i="1">
+                                      <a:latin typeface="Cambria Math" panose="02040503050406030204" pitchFamily="18" charset="0"/>
+                                    </a:rPr>
+                                    <m:t>𝑓</m:t>
+                                  </m:r>
+                                </m:e>
+                                <m:sup>
+                                  <m:r>
+                                    <a:rPr lang="en-US" altLang="zh-TW" i="1">
+                                      <a:latin typeface="Cambria Math" panose="02040503050406030204" pitchFamily="18" charset="0"/>
+                                    </a:rPr>
+                                    <m:t>′</m:t>
+                                  </m:r>
+                                </m:sup>
+                              </m:sSup>
+                            </m:e>
+                            <m:sub>
+                              <m:r>
+                                <a:rPr lang="en-US" altLang="zh-TW" i="1">
+                                  <a:latin typeface="Cambria Math" panose="02040503050406030204" pitchFamily="18" charset="0"/>
+                                </a:rPr>
+                                <m:t>𝑥</m:t>
+                              </m:r>
+                            </m:sub>
+                          </m:sSub>
+                        </m:e>
+                      </m:nary>
+                    </m:oMath>
+                  </m:oMathPara>
+                </a14:m>
+                <a:endParaRPr lang="zh-TW" altLang="en-US" dirty="0"/>
+              </a:p>
+            </p:txBody>
+          </p:sp>
+        </mc:Choice>
+        <mc:Fallback xmlns="">
+          <p:sp>
+            <p:nvSpPr>
+              <p:cNvPr id="2" name="文字方塊 1">
+                <a:extLst>
+                  <a:ext uri="{FF2B5EF4-FFF2-40B4-BE49-F238E27FC236}">
+                    <a16:creationId xmlns:a16="http://schemas.microsoft.com/office/drawing/2014/main" id="{28FBAEED-B369-4242-9454-B9039369A50C}"/>
+                  </a:ext>
+                </a:extLst>
+              </p:cNvPr>
+              <p:cNvSpPr txBox="1">
+                <a:spLocks noRot="1" noChangeAspect="1" noMove="1" noResize="1" noEditPoints="1" noAdjustHandles="1" noChangeArrowheads="1" noChangeShapeType="1" noTextEdit="1"/>
+              </p:cNvSpPr>
+              <p:nvPr/>
+            </p:nvSpPr>
+            <p:spPr>
+              <a:xfrm>
+                <a:off x="1985971" y="2135776"/>
+                <a:ext cx="5403338" cy="597599"/>
+              </a:xfrm>
+              <a:prstGeom prst="rect">
+                <a:avLst/>
+              </a:prstGeom>
+              <a:blipFill>
+                <a:blip r:embed="rId2"/>
+                <a:stretch>
+                  <a:fillRect/>
+                </a:stretch>
+              </a:blipFill>
+            </p:spPr>
+            <p:txBody>
+              <a:bodyPr/>
+              <a:lstStyle/>
+              <a:p>
+                <a:r>
+                  <a:rPr lang="zh-TW" altLang="en-US">
+                    <a:noFill/>
+                  </a:rPr>
+                  <a:t> </a:t>
+                </a:r>
+              </a:p>
+            </p:txBody>
+          </p:sp>
+        </mc:Fallback>
+      </mc:AlternateContent>
+      <mc:AlternateContent xmlns:mc="http://schemas.openxmlformats.org/markup-compatibility/2006" xmlns:a14="http://schemas.microsoft.com/office/drawing/2010/main">
+        <mc:Choice Requires="a14">
+          <p:sp>
+            <p:nvSpPr>
+              <p:cNvPr id="3" name="文字方塊 2">
+                <a:extLst>
+                  <a:ext uri="{FF2B5EF4-FFF2-40B4-BE49-F238E27FC236}">
+                    <a16:creationId xmlns:a16="http://schemas.microsoft.com/office/drawing/2014/main" id="{412034DD-FDF3-4438-8A0D-101B5392E8AB}"/>
+                  </a:ext>
+                </a:extLst>
+              </p:cNvPr>
+              <p:cNvSpPr txBox="1"/>
+              <p:nvPr/>
+            </p:nvSpPr>
+            <p:spPr>
+              <a:xfrm>
+                <a:off x="1985971" y="2979948"/>
+                <a:ext cx="6359883" cy="597599"/>
+              </a:xfrm>
+              <a:prstGeom prst="rect">
+                <a:avLst/>
+              </a:prstGeom>
+              <a:noFill/>
+            </p:spPr>
+            <p:txBody>
+              <a:bodyPr wrap="none" lIns="0" tIns="0" rIns="0" bIns="0" rtlCol="0">
+                <a:spAutoFit/>
+              </a:bodyPr>
+              <a:lstStyle/>
+              <a:p>
+                <a:pPr/>
+                <a14:m>
+                  <m:oMathPara xmlns:m="http://schemas.openxmlformats.org/officeDocument/2006/math">
+                    <m:oMathParaPr>
+                      <m:jc m:val="centerGroup"/>
+                    </m:oMathParaPr>
+                    <m:oMath xmlns:m="http://schemas.openxmlformats.org/officeDocument/2006/math">
+                      <m:sSub>
+                        <m:sSubPr>
+                          <m:ctrlPr>
+                            <a:rPr lang="en-US" altLang="zh-TW" b="0" i="1" smtClean="0">
+                              <a:latin typeface="Cambria Math" panose="02040503050406030204" pitchFamily="18" charset="0"/>
+                            </a:rPr>
+                          </m:ctrlPr>
+                        </m:sSubPr>
+                        <m:e>
+                          <m:r>
+                            <a:rPr lang="en-US" altLang="zh-TW" b="0" i="1" smtClean="0">
+                              <a:latin typeface="Cambria Math" panose="02040503050406030204" pitchFamily="18" charset="0"/>
+                            </a:rPr>
+                            <m:t>𝐼</m:t>
+                          </m:r>
+                        </m:e>
+                        <m:sub>
+                          <m:r>
+                            <a:rPr lang="en-US" altLang="zh-TW" b="0" i="1" smtClean="0">
+                              <a:latin typeface="Cambria Math" panose="02040503050406030204" pitchFamily="18" charset="0"/>
+                            </a:rPr>
+                            <m:t>𝑡𝑜𝑡𝑎𝑙</m:t>
+                          </m:r>
+                        </m:sub>
+                      </m:sSub>
+                      <m:d>
+                        <m:dPr>
+                          <m:ctrlPr>
+                            <a:rPr lang="en-US" altLang="zh-TW" b="0" i="1" smtClean="0">
+                              <a:latin typeface="Cambria Math" panose="02040503050406030204" pitchFamily="18" charset="0"/>
+                            </a:rPr>
+                          </m:ctrlPr>
+                        </m:dPr>
+                        <m:e>
+                          <m:r>
+                            <a:rPr lang="en-US" altLang="zh-TW" b="0" i="1" smtClean="0">
+                              <a:latin typeface="Cambria Math" panose="02040503050406030204" pitchFamily="18" charset="0"/>
+                            </a:rPr>
+                            <m:t>𝑥</m:t>
+                          </m:r>
+                        </m:e>
+                      </m:d>
+                      <m:r>
+                        <a:rPr lang="en-US" altLang="zh-TW" b="0" i="1" smtClean="0">
+                          <a:latin typeface="Cambria Math" panose="02040503050406030204" pitchFamily="18" charset="0"/>
+                        </a:rPr>
+                        <m:t>= </m:t>
+                      </m:r>
+                      <m:nary>
+                        <m:naryPr>
+                          <m:ctrlPr>
+                            <a:rPr lang="en-US" altLang="zh-TW" b="0" i="1" smtClean="0">
+                              <a:latin typeface="Cambria Math" panose="02040503050406030204" pitchFamily="18" charset="0"/>
+                            </a:rPr>
+                          </m:ctrlPr>
+                        </m:naryPr>
+                        <m:sub>
+                          <m:r>
+                            <m:rPr>
+                              <m:brk m:alnAt="23"/>
+                            </m:rPr>
+                            <a:rPr lang="en-US" altLang="zh-TW" b="0" i="1" smtClean="0">
+                              <a:latin typeface="Cambria Math" panose="02040503050406030204" pitchFamily="18" charset="0"/>
+                            </a:rPr>
+                            <m:t>−</m:t>
+                          </m:r>
+                          <m:r>
+                            <a:rPr lang="en-US" altLang="zh-TW" i="1">
+                              <a:latin typeface="Cambria Math" panose="02040503050406030204" pitchFamily="18" charset="0"/>
+                              <a:ea typeface="Cambria Math" panose="02040503050406030204" pitchFamily="18" charset="0"/>
+                            </a:rPr>
+                            <m:t>∞</m:t>
+                          </m:r>
+                        </m:sub>
+                        <m:sup>
+                          <m:r>
+                            <a:rPr lang="en-US" altLang="zh-TW" i="1">
+                              <a:latin typeface="Cambria Math" panose="02040503050406030204" pitchFamily="18" charset="0"/>
+                              <a:ea typeface="Cambria Math" panose="02040503050406030204" pitchFamily="18" charset="0"/>
+                            </a:rPr>
+                            <m:t>∞</m:t>
+                          </m:r>
+                        </m:sup>
+                        <m:e>
+                          <m:nary>
+                            <m:naryPr>
+                              <m:ctrlPr>
+                                <a:rPr lang="en-US" altLang="zh-TW" b="0" i="1" smtClean="0">
+                                  <a:latin typeface="Cambria Math" panose="02040503050406030204" pitchFamily="18" charset="0"/>
+                                </a:rPr>
+                              </m:ctrlPr>
+                            </m:naryPr>
+                            <m:sub>
+                              <m:r>
+                                <m:rPr>
+                                  <m:brk m:alnAt="23"/>
+                                </m:rPr>
+                                <a:rPr lang="en-US" altLang="zh-TW" b="0" i="1" smtClean="0">
+                                  <a:latin typeface="Cambria Math" panose="02040503050406030204" pitchFamily="18" charset="0"/>
+                                </a:rPr>
+                                <m:t>−</m:t>
+                              </m:r>
+                              <m:r>
+                                <a:rPr lang="en-US" altLang="zh-TW" i="1">
+                                  <a:latin typeface="Cambria Math" panose="02040503050406030204" pitchFamily="18" charset="0"/>
+                                  <a:ea typeface="Cambria Math" panose="02040503050406030204" pitchFamily="18" charset="0"/>
+                                </a:rPr>
+                                <m:t>∞</m:t>
+                              </m:r>
+                            </m:sub>
+                            <m:sup>
+                              <m:r>
+                                <a:rPr lang="en-US" altLang="zh-TW" i="1">
+                                  <a:latin typeface="Cambria Math" panose="02040503050406030204" pitchFamily="18" charset="0"/>
+                                  <a:ea typeface="Cambria Math" panose="02040503050406030204" pitchFamily="18" charset="0"/>
+                                </a:rPr>
+                                <m:t>∞</m:t>
+                              </m:r>
+                            </m:sup>
+                            <m:e>
+                              <m:r>
+                                <a:rPr lang="en-US" altLang="zh-TW" i="1">
+                                  <a:latin typeface="Cambria Math" panose="02040503050406030204" pitchFamily="18" charset="0"/>
+                                </a:rPr>
+                                <m:t>𝑇𝐶𝐶</m:t>
+                              </m:r>
+                              <m:d>
+                                <m:dPr>
+                                  <m:ctrlPr>
+                                    <a:rPr lang="en-US" altLang="zh-TW" i="1">
+                                      <a:latin typeface="Cambria Math" panose="02040503050406030204" pitchFamily="18" charset="0"/>
+                                    </a:rPr>
+                                  </m:ctrlPr>
+                                </m:dPr>
+                                <m:e>
+                                  <m:sSub>
+                                    <m:sSubPr>
+                                      <m:ctrlPr>
+                                        <a:rPr lang="en-US" altLang="zh-TW" i="1">
+                                          <a:latin typeface="Cambria Math" panose="02040503050406030204" pitchFamily="18" charset="0"/>
+                                        </a:rPr>
+                                      </m:ctrlPr>
+                                    </m:sSubPr>
+                                    <m:e>
+                                      <m:r>
+                                        <a:rPr lang="en-US" altLang="zh-TW" i="1">
+                                          <a:latin typeface="Cambria Math" panose="02040503050406030204" pitchFamily="18" charset="0"/>
+                                        </a:rPr>
+                                        <m:t>𝑓</m:t>
+                                      </m:r>
+                                    </m:e>
+                                    <m:sub>
+                                      <m:r>
+                                        <a:rPr lang="en-US" altLang="zh-TW" i="1">
+                                          <a:latin typeface="Cambria Math" panose="02040503050406030204" pitchFamily="18" charset="0"/>
+                                        </a:rPr>
+                                        <m:t>𝑥</m:t>
+                                      </m:r>
+                                    </m:sub>
+                                  </m:sSub>
+                                  <m:r>
+                                    <a:rPr lang="en-US" altLang="zh-TW" i="1">
+                                      <a:latin typeface="Cambria Math" panose="02040503050406030204" pitchFamily="18" charset="0"/>
+                                    </a:rPr>
+                                    <m:t>,</m:t>
+                                  </m:r>
+                                  <m:sSub>
+                                    <m:sSubPr>
+                                      <m:ctrlPr>
+                                        <a:rPr lang="en-US" altLang="zh-TW" i="1">
+                                          <a:latin typeface="Cambria Math" panose="02040503050406030204" pitchFamily="18" charset="0"/>
+                                        </a:rPr>
+                                      </m:ctrlPr>
+                                    </m:sSubPr>
+                                    <m:e>
+                                      <m:acc>
+                                        <m:accPr>
+                                          <m:chr m:val="̃"/>
+                                          <m:ctrlPr>
+                                            <a:rPr lang="en-US" altLang="zh-TW" i="1">
+                                              <a:latin typeface="Cambria Math" panose="02040503050406030204" pitchFamily="18" charset="0"/>
+                                            </a:rPr>
+                                          </m:ctrlPr>
+                                        </m:accPr>
+                                        <m:e>
+                                          <m:r>
+                                            <a:rPr lang="en-US" altLang="zh-TW" i="1">
+                                              <a:latin typeface="Cambria Math" panose="02040503050406030204" pitchFamily="18" charset="0"/>
+                                            </a:rPr>
+                                            <m:t>𝑓</m:t>
+                                          </m:r>
+                                        </m:e>
+                                      </m:acc>
+                                    </m:e>
+                                    <m:sub>
+                                      <m:r>
+                                        <a:rPr lang="en-US" altLang="zh-TW" i="1">
+                                          <a:latin typeface="Cambria Math" panose="02040503050406030204" pitchFamily="18" charset="0"/>
+                                        </a:rPr>
+                                        <m:t>𝑥</m:t>
+                                      </m:r>
+                                    </m:sub>
+                                  </m:sSub>
+                                </m:e>
+                              </m:d>
+                              <m:sSub>
+                                <m:sSubPr>
+                                  <m:ctrlPr>
+                                    <a:rPr lang="en-US" altLang="zh-TW" i="1" smtClean="0">
+                                      <a:latin typeface="Cambria Math" panose="02040503050406030204" pitchFamily="18" charset="0"/>
+                                    </a:rPr>
+                                  </m:ctrlPr>
+                                </m:sSubPr>
+                                <m:e>
+                                  <m:r>
+                                    <a:rPr lang="en-US" altLang="zh-TW" b="0" i="1" smtClean="0">
+                                      <a:latin typeface="Cambria Math" panose="02040503050406030204" pitchFamily="18" charset="0"/>
+                                    </a:rPr>
+                                    <m:t>𝑇</m:t>
+                                  </m:r>
+                                </m:e>
+                                <m:sub>
+                                  <m:r>
+                                    <a:rPr lang="en-US" altLang="zh-TW" b="0" i="1" smtClean="0">
+                                      <a:latin typeface="Cambria Math" panose="02040503050406030204" pitchFamily="18" charset="0"/>
+                                    </a:rPr>
+                                    <m:t>𝑚</m:t>
+                                  </m:r>
+                                </m:sub>
+                              </m:sSub>
+                              <m:r>
+                                <a:rPr lang="en-US" altLang="zh-TW" b="0" i="1" smtClean="0">
+                                  <a:latin typeface="Cambria Math" panose="02040503050406030204" pitchFamily="18" charset="0"/>
+                                </a:rPr>
+                                <m:t>(</m:t>
+                              </m:r>
+                              <m:r>
+                                <a:rPr lang="en-US" altLang="zh-TW" i="1">
+                                  <a:latin typeface="Cambria Math" panose="02040503050406030204" pitchFamily="18" charset="0"/>
+                                </a:rPr>
+                                <m:t>𝑓</m:t>
+                              </m:r>
+                              <m:r>
+                                <a:rPr lang="en-US" altLang="zh-TW" b="0" i="1" smtClean="0">
+                                  <a:latin typeface="Cambria Math" panose="02040503050406030204" pitchFamily="18" charset="0"/>
+                                </a:rPr>
+                                <m:t>)</m:t>
+                              </m:r>
+                              <m:sSub>
+                                <m:sSubPr>
+                                  <m:ctrlPr>
+                                    <a:rPr lang="en-US" altLang="zh-TW" i="1" smtClean="0">
+                                      <a:latin typeface="Cambria Math" panose="02040503050406030204" pitchFamily="18" charset="0"/>
+                                    </a:rPr>
+                                  </m:ctrlPr>
+                                </m:sSubPr>
+                                <m:e>
+                                  <m:sSup>
+                                    <m:sSupPr>
+                                      <m:ctrlPr>
+                                        <a:rPr lang="en-US" altLang="zh-TW" i="1" smtClean="0">
+                                          <a:latin typeface="Cambria Math" panose="02040503050406030204" pitchFamily="18" charset="0"/>
+                                        </a:rPr>
+                                      </m:ctrlPr>
+                                    </m:sSupPr>
+                                    <m:e>
+                                      <m:r>
+                                        <a:rPr lang="en-US" altLang="zh-TW" b="0" i="1" smtClean="0">
+                                          <a:latin typeface="Cambria Math" panose="02040503050406030204" pitchFamily="18" charset="0"/>
+                                        </a:rPr>
+                                        <m:t>𝑇</m:t>
+                                      </m:r>
+                                    </m:e>
+                                    <m:sup>
+                                      <m:r>
+                                        <a:rPr lang="en-US" altLang="zh-TW" b="0" i="1" smtClean="0">
+                                          <a:latin typeface="Cambria Math" panose="02040503050406030204" pitchFamily="18" charset="0"/>
+                                        </a:rPr>
+                                        <m:t>∗</m:t>
+                                      </m:r>
+                                    </m:sup>
+                                  </m:sSup>
+                                </m:e>
+                                <m:sub>
+                                  <m:r>
+                                    <a:rPr lang="en-US" altLang="zh-TW" b="0" i="1" smtClean="0">
+                                      <a:latin typeface="Cambria Math" panose="02040503050406030204" pitchFamily="18" charset="0"/>
+                                    </a:rPr>
+                                    <m:t>𝑚</m:t>
+                                  </m:r>
+                                </m:sub>
+                              </m:sSub>
+                              <m:r>
+                                <a:rPr lang="en-US" altLang="zh-TW" b="0" i="1" smtClean="0">
+                                  <a:latin typeface="Cambria Math" panose="02040503050406030204" pitchFamily="18" charset="0"/>
+                                </a:rPr>
+                                <m:t>(</m:t>
+                              </m:r>
+                              <m:sSub>
+                                <m:sSubPr>
+                                  <m:ctrlPr>
+                                    <a:rPr lang="en-US" altLang="zh-TW" i="1">
+                                      <a:latin typeface="Cambria Math" panose="02040503050406030204" pitchFamily="18" charset="0"/>
+                                    </a:rPr>
+                                  </m:ctrlPr>
+                                </m:sSubPr>
+                                <m:e>
+                                  <m:acc>
+                                    <m:accPr>
+                                      <m:chr m:val="̃"/>
+                                      <m:ctrlPr>
+                                        <a:rPr lang="en-US" altLang="zh-TW" i="1">
+                                          <a:latin typeface="Cambria Math" panose="02040503050406030204" pitchFamily="18" charset="0"/>
+                                        </a:rPr>
+                                      </m:ctrlPr>
+                                    </m:accPr>
+                                    <m:e>
+                                      <m:r>
+                                        <a:rPr lang="en-US" altLang="zh-TW" i="1">
+                                          <a:latin typeface="Cambria Math" panose="02040503050406030204" pitchFamily="18" charset="0"/>
+                                        </a:rPr>
+                                        <m:t>𝑓</m:t>
+                                      </m:r>
+                                    </m:e>
+                                  </m:acc>
+                                </m:e>
+                                <m:sub>
+                                  <m:r>
+                                    <a:rPr lang="en-US" altLang="zh-TW" i="1">
+                                      <a:latin typeface="Cambria Math" panose="02040503050406030204" pitchFamily="18" charset="0"/>
+                                    </a:rPr>
+                                    <m:t>𝑥</m:t>
+                                  </m:r>
+                                </m:sub>
+                              </m:sSub>
+                              <m:r>
+                                <a:rPr lang="en-US" altLang="zh-TW" b="0" i="1" smtClean="0">
+                                  <a:latin typeface="Cambria Math" panose="02040503050406030204" pitchFamily="18" charset="0"/>
+                                </a:rPr>
+                                <m:t>)</m:t>
+                              </m:r>
+                              <m:sSup>
+                                <m:sSupPr>
+                                  <m:ctrlPr>
+                                    <a:rPr lang="en-US" altLang="zh-TW" b="0" i="1" smtClean="0">
+                                      <a:latin typeface="Cambria Math" panose="02040503050406030204" pitchFamily="18" charset="0"/>
+                                    </a:rPr>
+                                  </m:ctrlPr>
+                                </m:sSupPr>
+                                <m:e>
+                                  <m:r>
+                                    <a:rPr lang="en-US" altLang="zh-TW" b="0" i="1" smtClean="0">
+                                      <a:latin typeface="Cambria Math" panose="02040503050406030204" pitchFamily="18" charset="0"/>
+                                    </a:rPr>
+                                    <m:t>𝑒</m:t>
+                                  </m:r>
+                                </m:e>
+                                <m:sup>
+                                  <m:r>
+                                    <a:rPr lang="en-US" altLang="zh-TW" b="0" i="1" smtClean="0">
+                                      <a:latin typeface="Cambria Math" panose="02040503050406030204" pitchFamily="18" charset="0"/>
+                                    </a:rPr>
+                                    <m:t>2</m:t>
+                                  </m:r>
+                                  <m:r>
+                                    <a:rPr lang="zh-TW" altLang="en-US" b="0" i="1" smtClean="0">
+                                      <a:latin typeface="Cambria Math" panose="02040503050406030204" pitchFamily="18" charset="0"/>
+                                    </a:rPr>
+                                    <m:t>𝜋</m:t>
+                                  </m:r>
+                                  <m:r>
+                                    <a:rPr lang="en-US" altLang="zh-TW" b="0" i="1" smtClean="0">
+                                      <a:latin typeface="Cambria Math" panose="02040503050406030204" pitchFamily="18" charset="0"/>
+                                    </a:rPr>
+                                    <m:t>𝑖</m:t>
+                                  </m:r>
+                                  <m:d>
+                                    <m:dPr>
+                                      <m:ctrlPr>
+                                        <a:rPr lang="en-US" altLang="zh-TW" b="0" i="1" smtClean="0">
+                                          <a:latin typeface="Cambria Math" panose="02040503050406030204" pitchFamily="18" charset="0"/>
+                                        </a:rPr>
+                                      </m:ctrlPr>
+                                    </m:dPr>
+                                    <m:e>
+                                      <m:sSub>
+                                        <m:sSubPr>
+                                          <m:ctrlPr>
+                                            <a:rPr lang="en-US" altLang="zh-TW" i="1">
+                                              <a:latin typeface="Cambria Math" panose="02040503050406030204" pitchFamily="18" charset="0"/>
+                                            </a:rPr>
+                                          </m:ctrlPr>
+                                        </m:sSubPr>
+                                        <m:e>
+                                          <m:r>
+                                            <a:rPr lang="en-US" altLang="zh-TW" i="1">
+                                              <a:latin typeface="Cambria Math" panose="02040503050406030204" pitchFamily="18" charset="0"/>
+                                            </a:rPr>
+                                            <m:t>𝑓</m:t>
+                                          </m:r>
+                                        </m:e>
+                                        <m:sub>
+                                          <m:r>
+                                            <a:rPr lang="en-US" altLang="zh-TW" i="1">
+                                              <a:latin typeface="Cambria Math" panose="02040503050406030204" pitchFamily="18" charset="0"/>
+                                            </a:rPr>
+                                            <m:t>𝑥</m:t>
+                                          </m:r>
+                                        </m:sub>
+                                      </m:sSub>
+                                      <m:r>
+                                        <a:rPr lang="en-US" altLang="zh-TW" b="0" i="1" smtClean="0">
+                                          <a:latin typeface="Cambria Math" panose="02040503050406030204" pitchFamily="18" charset="0"/>
+                                        </a:rPr>
+                                        <m:t>−</m:t>
+                                      </m:r>
+                                      <m:sSub>
+                                        <m:sSubPr>
+                                          <m:ctrlPr>
+                                            <a:rPr lang="en-US" altLang="zh-TW" i="1">
+                                              <a:latin typeface="Cambria Math" panose="02040503050406030204" pitchFamily="18" charset="0"/>
+                                            </a:rPr>
+                                          </m:ctrlPr>
+                                        </m:sSubPr>
+                                        <m:e>
+                                          <m:acc>
+                                            <m:accPr>
+                                              <m:chr m:val="̃"/>
+                                              <m:ctrlPr>
+                                                <a:rPr lang="en-US" altLang="zh-TW" i="1">
+                                                  <a:latin typeface="Cambria Math" panose="02040503050406030204" pitchFamily="18" charset="0"/>
+                                                </a:rPr>
+                                              </m:ctrlPr>
+                                            </m:accPr>
+                                            <m:e>
+                                              <m:r>
+                                                <a:rPr lang="en-US" altLang="zh-TW" i="1">
+                                                  <a:latin typeface="Cambria Math" panose="02040503050406030204" pitchFamily="18" charset="0"/>
+                                                </a:rPr>
+                                                <m:t>𝑓</m:t>
+                                              </m:r>
+                                            </m:e>
+                                          </m:acc>
+                                        </m:e>
+                                        <m:sub>
+                                          <m:r>
+                                            <a:rPr lang="en-US" altLang="zh-TW" i="1">
+                                              <a:latin typeface="Cambria Math" panose="02040503050406030204" pitchFamily="18" charset="0"/>
+                                            </a:rPr>
+                                            <m:t>𝑥</m:t>
+                                          </m:r>
+                                        </m:sub>
+                                      </m:sSub>
+                                    </m:e>
+                                  </m:d>
+                                  <m:r>
+                                    <a:rPr lang="en-US" altLang="zh-TW" b="0" i="1" smtClean="0">
+                                      <a:latin typeface="Cambria Math" panose="02040503050406030204" pitchFamily="18" charset="0"/>
+                                    </a:rPr>
+                                    <m:t>𝑥</m:t>
+                                  </m:r>
+                                </m:sup>
+                              </m:sSup>
+                              <m:r>
+                                <a:rPr lang="en-US" altLang="zh-TW" b="0" i="1" smtClean="0">
+                                  <a:latin typeface="Cambria Math" panose="02040503050406030204" pitchFamily="18" charset="0"/>
+                                </a:rPr>
+                                <m:t>𝑑</m:t>
+                              </m:r>
+                              <m:sSub>
+                                <m:sSubPr>
+                                  <m:ctrlPr>
+                                    <a:rPr lang="en-US" altLang="zh-TW" i="1">
+                                      <a:latin typeface="Cambria Math" panose="02040503050406030204" pitchFamily="18" charset="0"/>
+                                    </a:rPr>
+                                  </m:ctrlPr>
+                                </m:sSubPr>
+                                <m:e>
+                                  <m:r>
+                                    <a:rPr lang="en-US" altLang="zh-TW" i="1">
+                                      <a:latin typeface="Cambria Math" panose="02040503050406030204" pitchFamily="18" charset="0"/>
+                                    </a:rPr>
+                                    <m:t>𝑓</m:t>
+                                  </m:r>
+                                </m:e>
+                                <m:sub>
+                                  <m:r>
+                                    <a:rPr lang="en-US" altLang="zh-TW" i="1">
+                                      <a:latin typeface="Cambria Math" panose="02040503050406030204" pitchFamily="18" charset="0"/>
+                                    </a:rPr>
+                                    <m:t>𝑥</m:t>
+                                  </m:r>
+                                </m:sub>
+                              </m:sSub>
+                            </m:e>
+                          </m:nary>
+                          <m:r>
+                            <a:rPr lang="en-US" altLang="zh-TW" b="0" i="1" smtClean="0">
+                              <a:latin typeface="Cambria Math" panose="02040503050406030204" pitchFamily="18" charset="0"/>
+                            </a:rPr>
+                            <m:t>𝑑</m:t>
+                          </m:r>
+                          <m:sSub>
+                            <m:sSubPr>
+                              <m:ctrlPr>
+                                <a:rPr lang="en-US" altLang="zh-TW" i="1">
+                                  <a:latin typeface="Cambria Math" panose="02040503050406030204" pitchFamily="18" charset="0"/>
+                                </a:rPr>
+                              </m:ctrlPr>
+                            </m:sSubPr>
+                            <m:e>
+                              <m:acc>
+                                <m:accPr>
+                                  <m:chr m:val="̃"/>
+                                  <m:ctrlPr>
+                                    <a:rPr lang="en-US" altLang="zh-TW" i="1">
+                                      <a:latin typeface="Cambria Math" panose="02040503050406030204" pitchFamily="18" charset="0"/>
+                                    </a:rPr>
+                                  </m:ctrlPr>
+                                </m:accPr>
+                                <m:e>
+                                  <m:r>
+                                    <a:rPr lang="en-US" altLang="zh-TW" i="1">
+                                      <a:latin typeface="Cambria Math" panose="02040503050406030204" pitchFamily="18" charset="0"/>
+                                    </a:rPr>
+                                    <m:t>𝑓</m:t>
+                                  </m:r>
+                                </m:e>
+                              </m:acc>
+                            </m:e>
+                            <m:sub>
+                              <m:r>
+                                <a:rPr lang="en-US" altLang="zh-TW" i="1">
+                                  <a:latin typeface="Cambria Math" panose="02040503050406030204" pitchFamily="18" charset="0"/>
+                                </a:rPr>
+                                <m:t>𝑥</m:t>
+                              </m:r>
+                            </m:sub>
+                          </m:sSub>
+                        </m:e>
+                      </m:nary>
+                    </m:oMath>
+                  </m:oMathPara>
+                </a14:m>
+                <a:endParaRPr lang="zh-TW" altLang="en-US" dirty="0"/>
+              </a:p>
+            </p:txBody>
+          </p:sp>
+        </mc:Choice>
+        <mc:Fallback xmlns="">
+          <p:sp>
+            <p:nvSpPr>
+              <p:cNvPr id="3" name="文字方塊 2">
+                <a:extLst>
+                  <a:ext uri="{FF2B5EF4-FFF2-40B4-BE49-F238E27FC236}">
+                    <a16:creationId xmlns:a16="http://schemas.microsoft.com/office/drawing/2014/main" id="{412034DD-FDF3-4438-8A0D-101B5392E8AB}"/>
+                  </a:ext>
+                </a:extLst>
+              </p:cNvPr>
+              <p:cNvSpPr txBox="1">
+                <a:spLocks noRot="1" noChangeAspect="1" noMove="1" noResize="1" noEditPoints="1" noAdjustHandles="1" noChangeArrowheads="1" noChangeShapeType="1" noTextEdit="1"/>
+              </p:cNvSpPr>
+              <p:nvPr/>
+            </p:nvSpPr>
+            <p:spPr>
+              <a:xfrm>
+                <a:off x="1985971" y="2979948"/>
+                <a:ext cx="6359883" cy="597599"/>
+              </a:xfrm>
+              <a:prstGeom prst="rect">
+                <a:avLst/>
+              </a:prstGeom>
+              <a:blipFill>
+                <a:blip r:embed="rId3"/>
+                <a:stretch>
+                  <a:fillRect/>
+                </a:stretch>
+              </a:blipFill>
+            </p:spPr>
+            <p:txBody>
+              <a:bodyPr/>
+              <a:lstStyle/>
+              <a:p>
+                <a:r>
+                  <a:rPr lang="zh-TW" altLang="en-US">
+                    <a:noFill/>
+                  </a:rPr>
+                  <a:t> </a:t>
+                </a:r>
+              </a:p>
+            </p:txBody>
+          </p:sp>
+        </mc:Fallback>
+      </mc:AlternateContent>
+      <mc:AlternateContent xmlns:mc="http://schemas.openxmlformats.org/markup-compatibility/2006" xmlns:a14="http://schemas.microsoft.com/office/drawing/2010/main">
+        <mc:Choice Requires="a14">
+          <p:sp>
+            <p:nvSpPr>
+              <p:cNvPr id="4" name="文字方塊 3">
+                <a:extLst>
+                  <a:ext uri="{FF2B5EF4-FFF2-40B4-BE49-F238E27FC236}">
+                    <a16:creationId xmlns:a16="http://schemas.microsoft.com/office/drawing/2014/main" id="{F0A43359-AA77-4497-A86D-778FC6D7CF55}"/>
+                  </a:ext>
+                </a:extLst>
+              </p:cNvPr>
+              <p:cNvSpPr txBox="1"/>
+              <p:nvPr/>
+            </p:nvSpPr>
+            <p:spPr>
+              <a:xfrm>
+                <a:off x="593723" y="4100426"/>
+                <a:ext cx="8797345" cy="276999"/>
+              </a:xfrm>
+              <a:prstGeom prst="rect">
+                <a:avLst/>
+              </a:prstGeom>
+              <a:noFill/>
+            </p:spPr>
+            <p:txBody>
+              <a:bodyPr wrap="none" lIns="0" tIns="0" rIns="0" bIns="0" rtlCol="0">
+                <a:spAutoFit/>
+              </a:bodyPr>
+              <a:lstStyle/>
+              <a:p>
+                <a14:m>
+                  <m:oMath xmlns:m="http://schemas.openxmlformats.org/officeDocument/2006/math">
+                    <m:r>
+                      <a:rPr lang="en-US" altLang="zh-TW" b="0" i="1" smtClean="0">
+                        <a:latin typeface="Cambria Math" panose="02040503050406030204" pitchFamily="18" charset="0"/>
+                      </a:rPr>
+                      <m:t>𝑃</m:t>
+                    </m:r>
+                    <m:d>
+                      <m:dPr>
+                        <m:ctrlPr>
+                          <a:rPr lang="en-US" altLang="zh-TW" b="0" i="1" smtClean="0">
+                            <a:latin typeface="Cambria Math" panose="02040503050406030204" pitchFamily="18" charset="0"/>
+                          </a:rPr>
+                        </m:ctrlPr>
+                      </m:dPr>
+                      <m:e>
+                        <m:r>
+                          <a:rPr lang="en-US" altLang="zh-TW" b="0" i="1" smtClean="0">
+                            <a:latin typeface="Cambria Math" panose="02040503050406030204" pitchFamily="18" charset="0"/>
+                            <a:ea typeface="Cambria Math" panose="02040503050406030204" pitchFamily="18" charset="0"/>
+                          </a:rPr>
+                          <m:t>∙</m:t>
+                        </m:r>
+                      </m:e>
+                    </m:d>
+                    <m:r>
+                      <a:rPr lang="en-US" altLang="zh-TW" b="0" i="1" smtClean="0">
+                        <a:latin typeface="Cambria Math" panose="02040503050406030204" pitchFamily="18" charset="0"/>
+                      </a:rPr>
+                      <m:t>,</m:t>
+                    </m:r>
+                    <m:r>
+                      <a:rPr lang="en-US" altLang="zh-TW" b="0" i="1" smtClean="0">
+                        <a:latin typeface="Cambria Math" panose="02040503050406030204" pitchFamily="18" charset="0"/>
+                      </a:rPr>
+                      <m:t>𝑆</m:t>
+                    </m:r>
+                    <m:d>
+                      <m:dPr>
+                        <m:ctrlPr>
+                          <a:rPr lang="en-US" altLang="zh-TW" b="0" i="1" smtClean="0">
+                            <a:latin typeface="Cambria Math" panose="02040503050406030204" pitchFamily="18" charset="0"/>
+                          </a:rPr>
+                        </m:ctrlPr>
+                      </m:dPr>
+                      <m:e>
+                        <m:r>
+                          <a:rPr lang="en-US" altLang="zh-TW" i="1">
+                            <a:latin typeface="Cambria Math" panose="02040503050406030204" pitchFamily="18" charset="0"/>
+                            <a:ea typeface="Cambria Math" panose="02040503050406030204" pitchFamily="18" charset="0"/>
+                          </a:rPr>
+                          <m:t>∙</m:t>
+                        </m:r>
+                      </m:e>
+                    </m:d>
+                    <m:r>
+                      <m:rPr>
+                        <m:nor/>
+                      </m:rPr>
+                      <a:rPr lang="en-US" altLang="zh-TW" b="0" i="0" smtClean="0">
+                        <a:latin typeface="Cambria Math" panose="02040503050406030204" pitchFamily="18" charset="0"/>
+                      </a:rPr>
+                      <m:t> </m:t>
+                    </m:r>
+                    <m:r>
+                      <m:rPr>
+                        <m:nor/>
+                      </m:rPr>
+                      <a:rPr lang="en-US" altLang="zh-TW" dirty="0">
+                        <a:latin typeface="Times New Roman" panose="02020603050405020304" pitchFamily="18" charset="0"/>
+                        <a:cs typeface="Times New Roman" panose="02020603050405020304" pitchFamily="18" charset="0"/>
+                      </a:rPr>
+                      <m:t>and</m:t>
+                    </m:r>
+                    <m:r>
+                      <a:rPr lang="en-US" altLang="zh-TW" b="0" i="1" dirty="0" smtClean="0">
+                        <a:latin typeface="Cambria Math" panose="02040503050406030204" pitchFamily="18" charset="0"/>
+                        <a:cs typeface="Times New Roman" panose="02020603050405020304" pitchFamily="18" charset="0"/>
+                      </a:rPr>
+                      <m:t> </m:t>
+                    </m:r>
+                    <m:r>
+                      <a:rPr lang="en-US" altLang="zh-TW" b="0" i="1" smtClean="0">
+                        <a:latin typeface="Cambria Math" panose="02040503050406030204" pitchFamily="18" charset="0"/>
+                      </a:rPr>
+                      <m:t>𝑇</m:t>
+                    </m:r>
+                    <m:d>
+                      <m:dPr>
+                        <m:ctrlPr>
+                          <a:rPr lang="en-US" altLang="zh-TW" b="0" i="1" smtClean="0">
+                            <a:latin typeface="Cambria Math" panose="02040503050406030204" pitchFamily="18" charset="0"/>
+                          </a:rPr>
+                        </m:ctrlPr>
+                      </m:dPr>
+                      <m:e>
+                        <m:r>
+                          <a:rPr lang="en-US" altLang="zh-TW" i="1">
+                            <a:latin typeface="Cambria Math" panose="02040503050406030204" pitchFamily="18" charset="0"/>
+                            <a:ea typeface="Cambria Math" panose="02040503050406030204" pitchFamily="18" charset="0"/>
+                          </a:rPr>
+                          <m:t>∙</m:t>
+                        </m:r>
+                      </m:e>
+                    </m:d>
+                  </m:oMath>
+                </a14:m>
+                <a:r>
+                  <a:rPr lang="en-US" altLang="zh-TW" dirty="0">
+                    <a:latin typeface="Times New Roman" panose="02020603050405020304" pitchFamily="18" charset="0"/>
+                    <a:cs typeface="Times New Roman" panose="02020603050405020304" pitchFamily="18" charset="0"/>
+                  </a:rPr>
+                  <a:t> represent the pupil function, source function and mask function respectively</a:t>
+                </a:r>
+                <a:endParaRPr lang="zh-TW" altLang="en-US" dirty="0"/>
+              </a:p>
+            </p:txBody>
+          </p:sp>
+        </mc:Choice>
+        <mc:Fallback xmlns="">
+          <p:sp>
+            <p:nvSpPr>
+              <p:cNvPr id="4" name="文字方塊 3">
+                <a:extLst>
+                  <a:ext uri="{FF2B5EF4-FFF2-40B4-BE49-F238E27FC236}">
+                    <a16:creationId xmlns:a16="http://schemas.microsoft.com/office/drawing/2014/main" id="{F0A43359-AA77-4497-A86D-778FC6D7CF55}"/>
+                  </a:ext>
+                </a:extLst>
+              </p:cNvPr>
+              <p:cNvSpPr txBox="1">
+                <a:spLocks noRot="1" noChangeAspect="1" noMove="1" noResize="1" noEditPoints="1" noAdjustHandles="1" noChangeArrowheads="1" noChangeShapeType="1" noTextEdit="1"/>
+              </p:cNvSpPr>
+              <p:nvPr/>
+            </p:nvSpPr>
+            <p:spPr>
+              <a:xfrm>
+                <a:off x="593723" y="4100426"/>
+                <a:ext cx="8797345" cy="276999"/>
+              </a:xfrm>
+              <a:prstGeom prst="rect">
+                <a:avLst/>
+              </a:prstGeom>
+              <a:blipFill>
+                <a:blip r:embed="rId4"/>
+                <a:stretch>
+                  <a:fillRect l="-900" t="-31111" r="-693" b="-48889"/>
+                </a:stretch>
+              </a:blipFill>
+            </p:spPr>
+            <p:txBody>
+              <a:bodyPr/>
+              <a:lstStyle/>
+              <a:p>
+                <a:r>
+                  <a:rPr lang="zh-TW" altLang="en-US">
+                    <a:noFill/>
+                  </a:rPr>
+                  <a:t> </a:t>
+                </a:r>
+              </a:p>
+            </p:txBody>
+          </p:sp>
+        </mc:Fallback>
+      </mc:AlternateContent>
     </p:spTree>
     <p:extLst>
       <p:ext uri="{BB962C8B-B14F-4D97-AF65-F5344CB8AC3E}">
         <p14:creationId xmlns:p14="http://schemas.microsoft.com/office/powerpoint/2010/main" val="969883315"/>
-      </p:ext>
-    </p:extLst>
-  </p:cSld>
-  <p:clrMapOvr>
-    <a:masterClrMapping/>
-  </p:clrMapOvr>
-</p:sld>
-</file>
-
-<file path=ppt/slides/slide5.xml><?xml version="1.0" encoding="utf-8"?>
-<p:sld xmlns:a="http://schemas.openxmlformats.org/drawingml/2006/main" xmlns:r="http://schemas.openxmlformats.org/officeDocument/2006/relationships" xmlns:p="http://schemas.openxmlformats.org/presentationml/2006/main">
-  <p:cSld>
-    <p:spTree>
-      <p:nvGrpSpPr>
-        <p:cNvPr id="1" name=""/>
-        <p:cNvGrpSpPr/>
-        <p:nvPr/>
-      </p:nvGrpSpPr>
-      <p:grpSpPr>
-        <a:xfrm>
-          <a:off x="0" y="0"/>
-          <a:ext cx="0" cy="0"/>
-          <a:chOff x="0" y="0"/>
-          <a:chExt cx="0" cy="0"/>
-        </a:xfrm>
-      </p:grpSpPr>
-    </p:spTree>
-    <p:extLst>
-      <p:ext uri="{BB962C8B-B14F-4D97-AF65-F5344CB8AC3E}">
-        <p14:creationId xmlns:p14="http://schemas.microsoft.com/office/powerpoint/2010/main" val="454690225"/>
       </p:ext>
     </p:extLst>
   </p:cSld>
